--- a/_posts/Android/严选可信ID项目.pptx
+++ b/_posts/Android/严选可信ID项目.pptx
@@ -5,7 +5,7 @@
     <p:sldMasterId id="2147483648" r:id="rId1"/>
   </p:sldMasterIdLst>
   <p:notesMasterIdLst>
-    <p:notesMasterId r:id="rId11"/>
+    <p:notesMasterId r:id="rId14"/>
   </p:notesMasterIdLst>
   <p:sldIdLst>
     <p:sldId id="256" r:id="rId2"/>
@@ -15,8 +15,11 @@
     <p:sldId id="262" r:id="rId6"/>
     <p:sldId id="263" r:id="rId7"/>
     <p:sldId id="264" r:id="rId8"/>
-    <p:sldId id="260" r:id="rId9"/>
-    <p:sldId id="261" r:id="rId10"/>
+    <p:sldId id="266" r:id="rId9"/>
+    <p:sldId id="260" r:id="rId10"/>
+    <p:sldId id="268" r:id="rId11"/>
+    <p:sldId id="261" r:id="rId12"/>
+    <p:sldId id="267" r:id="rId13"/>
   </p:sldIdLst>
   <p:sldSz cx="12192000" cy="6858000"/>
   <p:notesSz cx="6858000" cy="9144000"/>
@@ -115,6 +118,11 @@
       </a:defRPr>
     </a:lvl9pPr>
   </p:defaultTextStyle>
+  <p:extLst>
+    <p:ext uri="{EFAFB233-063F-42B5-8137-9DF3F51BA10A}">
+      <p15:sldGuideLst xmlns:p15="http://schemas.microsoft.com/office/powerpoint/2012/main"/>
+    </p:ext>
+  </p:extLst>
 </p:presentation>
 </file>
 
@@ -200,7 +208,7 @@
           <a:p>
             <a:fld id="{8E4E49EA-D1C4-044F-8076-AABCA57A2CE1}" type="datetimeFigureOut">
               <a:rPr kumimoji="1" lang="zh-CN" altLang="en-US" smtClean="0"/>
-              <a:t>2019/1/10</a:t>
+              <a:t>2019/1/11</a:t>
             </a:fld>
             <a:endParaRPr kumimoji="1" lang="zh-CN" altLang="en-US"/>
           </a:p>
@@ -1187,19 +1195,7 @@
                 <a:ea typeface="+mn-ea"/>
                 <a:cs typeface="+mn-cs"/>
               </a:rPr>
-              <a:t> 难点）</a:t>
-            </a:r>
-            <a:r>
-              <a:rPr kumimoji="1" lang="zh-CN" altLang="en-US" sz="1200" b="0" i="0" kern="1200" dirty="0" smtClean="0">
-                <a:solidFill>
-                  <a:schemeClr val="tx1"/>
-                </a:solidFill>
-                <a:effectLst/>
-                <a:latin typeface="+mn-lt"/>
-                <a:ea typeface="+mn-ea"/>
-                <a:cs typeface="+mn-cs"/>
-              </a:rPr>
-              <a:t>宁可放过，不可错杀 ，初期 特征值（不太靠谱，各种</a:t>
+              <a:t> 难点）宁可放过，不可错杀 ，初期 特征值（不太靠谱，各种</a:t>
             </a:r>
             <a:r>
               <a:rPr kumimoji="1" lang="en-US" altLang="zh-CN" sz="1200" b="0" i="0" kern="1200" dirty="0" smtClean="0">
@@ -1298,19 +1294,7 @@
                 <a:ea typeface="+mn-ea"/>
                 <a:cs typeface="+mn-cs"/>
               </a:rPr>
-              <a:t>、后端匹配，打分制度，</a:t>
-            </a:r>
-            <a:r>
-              <a:rPr kumimoji="1" lang="zh-CN" altLang="en-US" sz="1200" b="0" i="0" kern="1200" dirty="0" smtClean="0">
-                <a:solidFill>
-                  <a:schemeClr val="tx1"/>
-                </a:solidFill>
-                <a:effectLst/>
-                <a:latin typeface="+mn-lt"/>
-                <a:ea typeface="+mn-ea"/>
-                <a:cs typeface="+mn-cs"/>
-              </a:rPr>
-              <a:t>宁可放过，不可错杀</a:t>
+              <a:t>、后端匹配，打分制度，宁可放过，不可错杀</a:t>
             </a:r>
             <a:endParaRPr kumimoji="1" lang="en-US" altLang="zh-CN" sz="1200" b="0" i="0" kern="1200" dirty="0" smtClean="0">
               <a:solidFill>
@@ -1764,6 +1748,258 @@
     <p:extLst>
       <p:ext uri="{BB962C8B-B14F-4D97-AF65-F5344CB8AC3E}">
         <p14:creationId xmlns:p14="http://schemas.microsoft.com/office/powerpoint/2010/main" val="549931764"/>
+      </p:ext>
+    </p:extLst>
+  </p:cSld>
+  <p:clrMapOvr>
+    <a:masterClrMapping/>
+  </p:clrMapOvr>
+</p:notes>
+</file>
+
+<file path=ppt/notesSlides/notesSlide6.xml><?xml version="1.0" encoding="utf-8"?>
+<p:notes xmlns:a="http://schemas.openxmlformats.org/drawingml/2006/main" xmlns:r="http://schemas.openxmlformats.org/officeDocument/2006/relationships" xmlns:p="http://schemas.openxmlformats.org/presentationml/2006/main">
+  <p:cSld>
+    <p:spTree>
+      <p:nvGrpSpPr>
+        <p:cNvPr id="1" name=""/>
+        <p:cNvGrpSpPr/>
+        <p:nvPr/>
+      </p:nvGrpSpPr>
+      <p:grpSpPr>
+        <a:xfrm>
+          <a:off x="0" y="0"/>
+          <a:ext cx="0" cy="0"/>
+          <a:chOff x="0" y="0"/>
+          <a:chExt cx="0" cy="0"/>
+        </a:xfrm>
+      </p:grpSpPr>
+      <p:sp>
+        <p:nvSpPr>
+          <p:cNvPr id="2" name="幻灯片图像占位符 1"/>
+          <p:cNvSpPr>
+            <a:spLocks noGrp="1" noRot="1" noChangeAspect="1"/>
+          </p:cNvSpPr>
+          <p:nvPr>
+            <p:ph type="sldImg"/>
+          </p:nvPr>
+        </p:nvSpPr>
+        <p:spPr/>
+      </p:sp>
+      <p:sp>
+        <p:nvSpPr>
+          <p:cNvPr id="3" name="备注占位符 2"/>
+          <p:cNvSpPr>
+            <a:spLocks noGrp="1"/>
+          </p:cNvSpPr>
+          <p:nvPr>
+            <p:ph type="body" idx="1"/>
+          </p:nvPr>
+        </p:nvSpPr>
+        <p:spPr/>
+        <p:txBody>
+          <a:bodyPr/>
+          <a:lstStyle/>
+          <a:p>
+            <a:endParaRPr kumimoji="1" lang="zh-CN" altLang="en-US" dirty="0"/>
+          </a:p>
+        </p:txBody>
+      </p:sp>
+      <p:sp>
+        <p:nvSpPr>
+          <p:cNvPr id="4" name="幻灯片编号占位符 3"/>
+          <p:cNvSpPr>
+            <a:spLocks noGrp="1"/>
+          </p:cNvSpPr>
+          <p:nvPr>
+            <p:ph type="sldNum" sz="quarter" idx="10"/>
+          </p:nvPr>
+        </p:nvSpPr>
+        <p:spPr/>
+        <p:txBody>
+          <a:bodyPr/>
+          <a:lstStyle/>
+          <a:p>
+            <a:fld id="{22EFC972-2904-6640-A38E-FD82F24C3F23}" type="slidenum">
+              <a:rPr kumimoji="1" lang="zh-CN" altLang="en-US" smtClean="0"/>
+              <a:t>9</a:t>
+            </a:fld>
+            <a:endParaRPr kumimoji="1" lang="zh-CN" altLang="en-US"/>
+          </a:p>
+        </p:txBody>
+      </p:sp>
+    </p:spTree>
+    <p:extLst>
+      <p:ext uri="{BB962C8B-B14F-4D97-AF65-F5344CB8AC3E}">
+        <p14:creationId xmlns:p14="http://schemas.microsoft.com/office/powerpoint/2010/main" val="586001116"/>
+      </p:ext>
+    </p:extLst>
+  </p:cSld>
+  <p:clrMapOvr>
+    <a:masterClrMapping/>
+  </p:clrMapOvr>
+</p:notes>
+</file>
+
+<file path=ppt/notesSlides/notesSlide7.xml><?xml version="1.0" encoding="utf-8"?>
+<p:notes xmlns:a="http://schemas.openxmlformats.org/drawingml/2006/main" xmlns:r="http://schemas.openxmlformats.org/officeDocument/2006/relationships" xmlns:p="http://schemas.openxmlformats.org/presentationml/2006/main">
+  <p:cSld>
+    <p:spTree>
+      <p:nvGrpSpPr>
+        <p:cNvPr id="1" name=""/>
+        <p:cNvGrpSpPr/>
+        <p:nvPr/>
+      </p:nvGrpSpPr>
+      <p:grpSpPr>
+        <a:xfrm>
+          <a:off x="0" y="0"/>
+          <a:ext cx="0" cy="0"/>
+          <a:chOff x="0" y="0"/>
+          <a:chExt cx="0" cy="0"/>
+        </a:xfrm>
+      </p:grpSpPr>
+      <p:sp>
+        <p:nvSpPr>
+          <p:cNvPr id="2" name="幻灯片图像占位符 1"/>
+          <p:cNvSpPr>
+            <a:spLocks noGrp="1" noRot="1" noChangeAspect="1"/>
+          </p:cNvSpPr>
+          <p:nvPr>
+            <p:ph type="sldImg"/>
+          </p:nvPr>
+        </p:nvSpPr>
+        <p:spPr/>
+      </p:sp>
+      <p:sp>
+        <p:nvSpPr>
+          <p:cNvPr id="3" name="备注占位符 2"/>
+          <p:cNvSpPr>
+            <a:spLocks noGrp="1"/>
+          </p:cNvSpPr>
+          <p:nvPr>
+            <p:ph type="body" idx="1"/>
+          </p:nvPr>
+        </p:nvSpPr>
+        <p:spPr/>
+        <p:txBody>
+          <a:bodyPr/>
+          <a:lstStyle/>
+          <a:p>
+            <a:endParaRPr kumimoji="1" lang="zh-CN" altLang="en-US" dirty="0"/>
+          </a:p>
+        </p:txBody>
+      </p:sp>
+      <p:sp>
+        <p:nvSpPr>
+          <p:cNvPr id="4" name="幻灯片编号占位符 3"/>
+          <p:cNvSpPr>
+            <a:spLocks noGrp="1"/>
+          </p:cNvSpPr>
+          <p:nvPr>
+            <p:ph type="sldNum" sz="quarter" idx="10"/>
+          </p:nvPr>
+        </p:nvSpPr>
+        <p:spPr/>
+        <p:txBody>
+          <a:bodyPr/>
+          <a:lstStyle/>
+          <a:p>
+            <a:fld id="{22EFC972-2904-6640-A38E-FD82F24C3F23}" type="slidenum">
+              <a:rPr kumimoji="1" lang="zh-CN" altLang="en-US" smtClean="0"/>
+              <a:t>11</a:t>
+            </a:fld>
+            <a:endParaRPr kumimoji="1" lang="zh-CN" altLang="en-US"/>
+          </a:p>
+        </p:txBody>
+      </p:sp>
+    </p:spTree>
+    <p:extLst>
+      <p:ext uri="{BB962C8B-B14F-4D97-AF65-F5344CB8AC3E}">
+        <p14:creationId xmlns:p14="http://schemas.microsoft.com/office/powerpoint/2010/main" val="315945772"/>
+      </p:ext>
+    </p:extLst>
+  </p:cSld>
+  <p:clrMapOvr>
+    <a:masterClrMapping/>
+  </p:clrMapOvr>
+</p:notes>
+</file>
+
+<file path=ppt/notesSlides/notesSlide8.xml><?xml version="1.0" encoding="utf-8"?>
+<p:notes xmlns:a="http://schemas.openxmlformats.org/drawingml/2006/main" xmlns:r="http://schemas.openxmlformats.org/officeDocument/2006/relationships" xmlns:p="http://schemas.openxmlformats.org/presentationml/2006/main">
+  <p:cSld>
+    <p:spTree>
+      <p:nvGrpSpPr>
+        <p:cNvPr id="1" name=""/>
+        <p:cNvGrpSpPr/>
+        <p:nvPr/>
+      </p:nvGrpSpPr>
+      <p:grpSpPr>
+        <a:xfrm>
+          <a:off x="0" y="0"/>
+          <a:ext cx="0" cy="0"/>
+          <a:chOff x="0" y="0"/>
+          <a:chExt cx="0" cy="0"/>
+        </a:xfrm>
+      </p:grpSpPr>
+      <p:sp>
+        <p:nvSpPr>
+          <p:cNvPr id="2" name="幻灯片图像占位符 1"/>
+          <p:cNvSpPr>
+            <a:spLocks noGrp="1" noRot="1" noChangeAspect="1"/>
+          </p:cNvSpPr>
+          <p:nvPr>
+            <p:ph type="sldImg"/>
+          </p:nvPr>
+        </p:nvSpPr>
+        <p:spPr/>
+      </p:sp>
+      <p:sp>
+        <p:nvSpPr>
+          <p:cNvPr id="3" name="备注占位符 2"/>
+          <p:cNvSpPr>
+            <a:spLocks noGrp="1"/>
+          </p:cNvSpPr>
+          <p:nvPr>
+            <p:ph type="body" idx="1"/>
+          </p:nvPr>
+        </p:nvSpPr>
+        <p:spPr/>
+        <p:txBody>
+          <a:bodyPr/>
+          <a:lstStyle/>
+          <a:p>
+            <a:endParaRPr kumimoji="1" lang="zh-CN" altLang="en-US" dirty="0"/>
+          </a:p>
+        </p:txBody>
+      </p:sp>
+      <p:sp>
+        <p:nvSpPr>
+          <p:cNvPr id="4" name="幻灯片编号占位符 3"/>
+          <p:cNvSpPr>
+            <a:spLocks noGrp="1"/>
+          </p:cNvSpPr>
+          <p:nvPr>
+            <p:ph type="sldNum" sz="quarter" idx="10"/>
+          </p:nvPr>
+        </p:nvSpPr>
+        <p:spPr/>
+        <p:txBody>
+          <a:bodyPr/>
+          <a:lstStyle/>
+          <a:p>
+            <a:fld id="{22EFC972-2904-6640-A38E-FD82F24C3F23}" type="slidenum">
+              <a:rPr kumimoji="1" lang="zh-CN" altLang="en-US" smtClean="0"/>
+              <a:t>12</a:t>
+            </a:fld>
+            <a:endParaRPr kumimoji="1" lang="zh-CN" altLang="en-US"/>
+          </a:p>
+        </p:txBody>
+      </p:sp>
+    </p:spTree>
+    <p:extLst>
+      <p:ext uri="{BB962C8B-B14F-4D97-AF65-F5344CB8AC3E}">
+        <p14:creationId xmlns:p14="http://schemas.microsoft.com/office/powerpoint/2010/main" val="1977131753"/>
       </p:ext>
     </p:extLst>
   </p:cSld>
@@ -1904,7 +2140,7 @@
           <a:p>
             <a:fld id="{67E3EC00-8450-5A4A-849B-1D6715DFB0E8}" type="datetimeFigureOut">
               <a:rPr kumimoji="1" lang="zh-CN" altLang="en-US" smtClean="0"/>
-              <a:t>2019/1/10</a:t>
+              <a:t>2019/1/11</a:t>
             </a:fld>
             <a:endParaRPr kumimoji="1" lang="zh-CN" altLang="en-US"/>
           </a:p>
@@ -2074,7 +2310,7 @@
           <a:p>
             <a:fld id="{67E3EC00-8450-5A4A-849B-1D6715DFB0E8}" type="datetimeFigureOut">
               <a:rPr kumimoji="1" lang="zh-CN" altLang="en-US" smtClean="0"/>
-              <a:t>2019/1/10</a:t>
+              <a:t>2019/1/11</a:t>
             </a:fld>
             <a:endParaRPr kumimoji="1" lang="zh-CN" altLang="en-US"/>
           </a:p>
@@ -2254,7 +2490,7 @@
           <a:p>
             <a:fld id="{67E3EC00-8450-5A4A-849B-1D6715DFB0E8}" type="datetimeFigureOut">
               <a:rPr kumimoji="1" lang="zh-CN" altLang="en-US" smtClean="0"/>
-              <a:t>2019/1/10</a:t>
+              <a:t>2019/1/11</a:t>
             </a:fld>
             <a:endParaRPr kumimoji="1" lang="zh-CN" altLang="en-US"/>
           </a:p>
@@ -2424,7 +2660,7 @@
           <a:p>
             <a:fld id="{67E3EC00-8450-5A4A-849B-1D6715DFB0E8}" type="datetimeFigureOut">
               <a:rPr kumimoji="1" lang="zh-CN" altLang="en-US" smtClean="0"/>
-              <a:t>2019/1/10</a:t>
+              <a:t>2019/1/11</a:t>
             </a:fld>
             <a:endParaRPr kumimoji="1" lang="zh-CN" altLang="en-US"/>
           </a:p>
@@ -2670,7 +2906,7 @@
           <a:p>
             <a:fld id="{67E3EC00-8450-5A4A-849B-1D6715DFB0E8}" type="datetimeFigureOut">
               <a:rPr kumimoji="1" lang="zh-CN" altLang="en-US" smtClean="0"/>
-              <a:t>2019/1/10</a:t>
+              <a:t>2019/1/11</a:t>
             </a:fld>
             <a:endParaRPr kumimoji="1" lang="zh-CN" altLang="en-US"/>
           </a:p>
@@ -2902,7 +3138,7 @@
           <a:p>
             <a:fld id="{67E3EC00-8450-5A4A-849B-1D6715DFB0E8}" type="datetimeFigureOut">
               <a:rPr kumimoji="1" lang="zh-CN" altLang="en-US" smtClean="0"/>
-              <a:t>2019/1/10</a:t>
+              <a:t>2019/1/11</a:t>
             </a:fld>
             <a:endParaRPr kumimoji="1" lang="zh-CN" altLang="en-US"/>
           </a:p>
@@ -3269,7 +3505,7 @@
           <a:p>
             <a:fld id="{67E3EC00-8450-5A4A-849B-1D6715DFB0E8}" type="datetimeFigureOut">
               <a:rPr kumimoji="1" lang="zh-CN" altLang="en-US" smtClean="0"/>
-              <a:t>2019/1/10</a:t>
+              <a:t>2019/1/11</a:t>
             </a:fld>
             <a:endParaRPr kumimoji="1" lang="zh-CN" altLang="en-US"/>
           </a:p>
@@ -3387,7 +3623,7 @@
           <a:p>
             <a:fld id="{67E3EC00-8450-5A4A-849B-1D6715DFB0E8}" type="datetimeFigureOut">
               <a:rPr kumimoji="1" lang="zh-CN" altLang="en-US" smtClean="0"/>
-              <a:t>2019/1/10</a:t>
+              <a:t>2019/1/11</a:t>
             </a:fld>
             <a:endParaRPr kumimoji="1" lang="zh-CN" altLang="en-US"/>
           </a:p>
@@ -3482,7 +3718,7 @@
           <a:p>
             <a:fld id="{67E3EC00-8450-5A4A-849B-1D6715DFB0E8}" type="datetimeFigureOut">
               <a:rPr kumimoji="1" lang="zh-CN" altLang="en-US" smtClean="0"/>
-              <a:t>2019/1/10</a:t>
+              <a:t>2019/1/11</a:t>
             </a:fld>
             <a:endParaRPr kumimoji="1" lang="zh-CN" altLang="en-US"/>
           </a:p>
@@ -3759,7 +3995,7 @@
           <a:p>
             <a:fld id="{67E3EC00-8450-5A4A-849B-1D6715DFB0E8}" type="datetimeFigureOut">
               <a:rPr kumimoji="1" lang="zh-CN" altLang="en-US" smtClean="0"/>
-              <a:t>2019/1/10</a:t>
+              <a:t>2019/1/11</a:t>
             </a:fld>
             <a:endParaRPr kumimoji="1" lang="zh-CN" altLang="en-US"/>
           </a:p>
@@ -4012,7 +4248,7 @@
           <a:p>
             <a:fld id="{67E3EC00-8450-5A4A-849B-1D6715DFB0E8}" type="datetimeFigureOut">
               <a:rPr kumimoji="1" lang="zh-CN" altLang="en-US" smtClean="0"/>
-              <a:t>2019/1/10</a:t>
+              <a:t>2019/1/11</a:t>
             </a:fld>
             <a:endParaRPr kumimoji="1" lang="zh-CN" altLang="en-US"/>
           </a:p>
@@ -4225,7 +4461,7 @@
           <a:p>
             <a:fld id="{67E3EC00-8450-5A4A-849B-1D6715DFB0E8}" type="datetimeFigureOut">
               <a:rPr kumimoji="1" lang="zh-CN" altLang="en-US" smtClean="0"/>
-              <a:t>2019/1/10</a:t>
+              <a:t>2019/1/11</a:t>
             </a:fld>
             <a:endParaRPr kumimoji="1" lang="zh-CN" altLang="en-US"/>
           </a:p>
@@ -4674,6 +4910,246 @@
 </p:sld>
 </file>
 
+<file path=ppt/slides/slide10.xml><?xml version="1.0" encoding="utf-8"?>
+<p:sld xmlns:a="http://schemas.openxmlformats.org/drawingml/2006/main" xmlns:r="http://schemas.openxmlformats.org/officeDocument/2006/relationships" xmlns:p="http://schemas.openxmlformats.org/presentationml/2006/main">
+  <p:cSld>
+    <p:spTree>
+      <p:nvGrpSpPr>
+        <p:cNvPr id="1" name=""/>
+        <p:cNvGrpSpPr/>
+        <p:nvPr/>
+      </p:nvGrpSpPr>
+      <p:grpSpPr>
+        <a:xfrm>
+          <a:off x="0" y="0"/>
+          <a:ext cx="0" cy="0"/>
+          <a:chOff x="0" y="0"/>
+          <a:chExt cx="0" cy="0"/>
+        </a:xfrm>
+      </p:grpSpPr>
+      <p:sp>
+        <p:nvSpPr>
+          <p:cNvPr id="2" name="标题 1"/>
+          <p:cNvSpPr>
+            <a:spLocks noGrp="1"/>
+          </p:cNvSpPr>
+          <p:nvPr>
+            <p:ph type="title"/>
+          </p:nvPr>
+        </p:nvSpPr>
+        <p:spPr/>
+        <p:txBody>
+          <a:bodyPr/>
+          <a:lstStyle/>
+          <a:p>
+            <a:r>
+              <a:rPr kumimoji="1" lang="zh-CN" altLang="en-US" dirty="0" smtClean="0"/>
+              <a:t>效果</a:t>
+            </a:r>
+            <a:endParaRPr kumimoji="1" lang="zh-CN" altLang="en-US" dirty="0"/>
+          </a:p>
+        </p:txBody>
+      </p:sp>
+      <p:sp>
+        <p:nvSpPr>
+          <p:cNvPr id="3" name="内容占位符 2"/>
+          <p:cNvSpPr>
+            <a:spLocks noGrp="1"/>
+          </p:cNvSpPr>
+          <p:nvPr>
+            <p:ph idx="1"/>
+          </p:nvPr>
+        </p:nvSpPr>
+        <p:spPr/>
+        <p:txBody>
+          <a:bodyPr/>
+          <a:lstStyle/>
+          <a:p>
+            <a:endParaRPr kumimoji="1" lang="zh-CN" altLang="en-US"/>
+          </a:p>
+        </p:txBody>
+      </p:sp>
+    </p:spTree>
+    <p:extLst>
+      <p:ext uri="{BB962C8B-B14F-4D97-AF65-F5344CB8AC3E}">
+        <p14:creationId xmlns:p14="http://schemas.microsoft.com/office/powerpoint/2010/main" val="47384452"/>
+      </p:ext>
+    </p:extLst>
+  </p:cSld>
+  <p:clrMapOvr>
+    <a:masterClrMapping/>
+  </p:clrMapOvr>
+</p:sld>
+</file>
+
+<file path=ppt/slides/slide11.xml><?xml version="1.0" encoding="utf-8"?>
+<p:sld xmlns:a="http://schemas.openxmlformats.org/drawingml/2006/main" xmlns:r="http://schemas.openxmlformats.org/officeDocument/2006/relationships" xmlns:p="http://schemas.openxmlformats.org/presentationml/2006/main">
+  <p:cSld>
+    <p:spTree>
+      <p:nvGrpSpPr>
+        <p:cNvPr id="1" name=""/>
+        <p:cNvGrpSpPr/>
+        <p:nvPr/>
+      </p:nvGrpSpPr>
+      <p:grpSpPr>
+        <a:xfrm>
+          <a:off x="0" y="0"/>
+          <a:ext cx="0" cy="0"/>
+          <a:chOff x="0" y="0"/>
+          <a:chExt cx="0" cy="0"/>
+        </a:xfrm>
+      </p:grpSpPr>
+      <p:sp>
+        <p:nvSpPr>
+          <p:cNvPr id="2" name="标题 1"/>
+          <p:cNvSpPr>
+            <a:spLocks noGrp="1"/>
+          </p:cNvSpPr>
+          <p:nvPr>
+            <p:ph type="title"/>
+          </p:nvPr>
+        </p:nvSpPr>
+        <p:spPr/>
+        <p:txBody>
+          <a:bodyPr/>
+          <a:lstStyle/>
+          <a:p>
+            <a:r>
+              <a:rPr kumimoji="1" lang="zh-CN" altLang="en-US" dirty="0" smtClean="0"/>
+              <a:t>展望</a:t>
+            </a:r>
+            <a:endParaRPr kumimoji="1" lang="zh-CN" altLang="en-US" dirty="0"/>
+          </a:p>
+        </p:txBody>
+      </p:sp>
+      <p:sp>
+        <p:nvSpPr>
+          <p:cNvPr id="3" name="内容占位符 2"/>
+          <p:cNvSpPr>
+            <a:spLocks noGrp="1"/>
+          </p:cNvSpPr>
+          <p:nvPr>
+            <p:ph idx="1"/>
+          </p:nvPr>
+        </p:nvSpPr>
+        <p:spPr/>
+        <p:txBody>
+          <a:bodyPr/>
+          <a:lstStyle/>
+          <a:p>
+            <a:pPr>
+              <a:lnSpc>
+                <a:spcPct val="200000"/>
+              </a:lnSpc>
+            </a:pPr>
+            <a:r>
+              <a:rPr kumimoji="1" lang="zh-CN" altLang="en-US" dirty="0" smtClean="0"/>
+              <a:t>后台模型</a:t>
+            </a:r>
+            <a:r>
+              <a:rPr kumimoji="1" lang="zh-CN" altLang="en-US" dirty="0"/>
+              <a:t>需要根据平台监控不断完善修正</a:t>
+            </a:r>
+            <a:endParaRPr kumimoji="1" lang="en-US" altLang="zh-CN" dirty="0"/>
+          </a:p>
+          <a:p>
+            <a:pPr>
+              <a:lnSpc>
+                <a:spcPct val="200000"/>
+              </a:lnSpc>
+            </a:pPr>
+            <a:r>
+              <a:rPr kumimoji="1" lang="zh-CN" altLang="en-US" dirty="0"/>
+              <a:t>探索新的匹配模型</a:t>
+            </a:r>
+            <a:endParaRPr kumimoji="1" lang="en-US" altLang="zh-CN" dirty="0"/>
+          </a:p>
+          <a:p>
+            <a:pPr>
+              <a:lnSpc>
+                <a:spcPct val="200000"/>
+              </a:lnSpc>
+            </a:pPr>
+            <a:r>
+              <a:rPr kumimoji="1" lang="zh-CN" altLang="en-US" dirty="0" smtClean="0"/>
+              <a:t>硬件信息搜集手段需要不断更新（新隐私策略下越来越难收集）</a:t>
+            </a:r>
+            <a:endParaRPr kumimoji="1" lang="zh-CN" altLang="en-US" dirty="0"/>
+          </a:p>
+        </p:txBody>
+      </p:sp>
+    </p:spTree>
+    <p:extLst>
+      <p:ext uri="{BB962C8B-B14F-4D97-AF65-F5344CB8AC3E}">
+        <p14:creationId xmlns:p14="http://schemas.microsoft.com/office/powerpoint/2010/main" val="1076661741"/>
+      </p:ext>
+    </p:extLst>
+  </p:cSld>
+  <p:clrMapOvr>
+    <a:masterClrMapping/>
+  </p:clrMapOvr>
+</p:sld>
+</file>
+
+<file path=ppt/slides/slide12.xml><?xml version="1.0" encoding="utf-8"?>
+<p:sld xmlns:a="http://schemas.openxmlformats.org/drawingml/2006/main" xmlns:r="http://schemas.openxmlformats.org/officeDocument/2006/relationships" xmlns:p="http://schemas.openxmlformats.org/presentationml/2006/main">
+  <p:cSld>
+    <p:spTree>
+      <p:nvGrpSpPr>
+        <p:cNvPr id="1" name=""/>
+        <p:cNvGrpSpPr/>
+        <p:nvPr/>
+      </p:nvGrpSpPr>
+      <p:grpSpPr>
+        <a:xfrm>
+          <a:off x="0" y="0"/>
+          <a:ext cx="0" cy="0"/>
+          <a:chOff x="0" y="0"/>
+          <a:chExt cx="0" cy="0"/>
+        </a:xfrm>
+      </p:grpSpPr>
+      <p:sp>
+        <p:nvSpPr>
+          <p:cNvPr id="2" name="标题 1"/>
+          <p:cNvSpPr>
+            <a:spLocks noGrp="1"/>
+          </p:cNvSpPr>
+          <p:nvPr>
+            <p:ph type="title"/>
+          </p:nvPr>
+        </p:nvSpPr>
+        <p:spPr>
+          <a:xfrm>
+            <a:off x="1035423" y="3144184"/>
+            <a:ext cx="10515600" cy="1325563"/>
+          </a:xfrm>
+        </p:spPr>
+        <p:txBody>
+          <a:bodyPr/>
+          <a:lstStyle/>
+          <a:p>
+            <a:pPr algn="ctr"/>
+            <a:r>
+              <a:rPr kumimoji="1" lang="zh-CN" altLang="en-US" dirty="0" smtClean="0"/>
+              <a:t>谢谢</a:t>
+            </a:r>
+            <a:endParaRPr kumimoji="1" lang="zh-CN" altLang="en-US" dirty="0"/>
+          </a:p>
+        </p:txBody>
+      </p:sp>
+    </p:spTree>
+    <p:extLst>
+      <p:ext uri="{BB962C8B-B14F-4D97-AF65-F5344CB8AC3E}">
+        <p14:creationId xmlns:p14="http://schemas.microsoft.com/office/powerpoint/2010/main" val="1893216579"/>
+      </p:ext>
+    </p:extLst>
+  </p:cSld>
+  <p:clrMapOvr>
+    <a:masterClrMapping/>
+  </p:clrMapOvr>
+</p:sld>
+</file>
+
 <file path=ppt/slides/slide2.xml><?xml version="1.0" encoding="utf-8"?>
 <p:sld xmlns:a="http://schemas.openxmlformats.org/drawingml/2006/main" xmlns:r="http://schemas.openxmlformats.org/officeDocument/2006/relationships" xmlns:p="http://schemas.openxmlformats.org/presentationml/2006/main">
   <p:cSld>
@@ -4743,11 +5219,7 @@
             </a:pPr>
             <a:r>
               <a:rPr kumimoji="1" lang="zh-CN" altLang="en-US" sz="1800" dirty="0" smtClean="0"/>
-              <a:t>初期问题：</a:t>
-            </a:r>
-            <a:r>
-              <a:rPr kumimoji="1" lang="zh-CN" altLang="en-US" sz="1800" dirty="0" smtClean="0"/>
-              <a:t>新设备鉴别统计不准</a:t>
+              <a:t>初期问题：新设备鉴别统计不准</a:t>
             </a:r>
             <a:endParaRPr kumimoji="1" lang="en-US" altLang="zh-CN" sz="1800" dirty="0" smtClean="0"/>
           </a:p>
@@ -5267,7 +5739,19 @@
             </a:pPr>
             <a:r>
               <a:rPr kumimoji="1" lang="zh-CN" altLang="en-US" dirty="0" smtClean="0"/>
-              <a:t>设备指纹信息的准确搜集（</a:t>
+              <a:t>设备指纹信息的</a:t>
+            </a:r>
+            <a:r>
+              <a:rPr kumimoji="1" lang="zh-CN" altLang="en-US" dirty="0" smtClean="0">
+                <a:solidFill>
+                  <a:srgbClr val="FF0000"/>
+                </a:solidFill>
+              </a:rPr>
+              <a:t>准确</a:t>
+            </a:r>
+            <a:r>
+              <a:rPr kumimoji="1" lang="zh-CN" altLang="en-US" dirty="0" smtClean="0"/>
+              <a:t>搜集（</a:t>
             </a:r>
             <a:r>
               <a:rPr kumimoji="1" lang="en-US" altLang="zh-CN" dirty="0" smtClean="0"/>
@@ -5299,7 +5783,11 @@
             </a:r>
             <a:r>
               <a:rPr kumimoji="1" lang="zh-CN" altLang="en-US" dirty="0" smtClean="0"/>
-              <a:t>模拟器检测</a:t>
+              <a:t>模拟器</a:t>
+            </a:r>
+            <a:r>
+              <a:rPr kumimoji="1" lang="zh-CN" altLang="en-US" dirty="0" smtClean="0"/>
+              <a:t>检测（种类多）</a:t>
             </a:r>
             <a:endParaRPr kumimoji="1" lang="en-US" altLang="zh-CN" dirty="0" smtClean="0"/>
           </a:p>
@@ -5375,8 +5863,16 @@
           <a:lstStyle/>
           <a:p>
             <a:r>
+              <a:rPr kumimoji="1" lang="en-US" altLang="zh-CN" dirty="0" smtClean="0"/>
+              <a:t>Android</a:t>
+            </a:r>
+            <a:r>
               <a:rPr kumimoji="1" lang="zh-CN" altLang="en-US" dirty="0" smtClean="0"/>
-              <a:t>设备指纹信息统计</a:t>
+              <a:t>设备</a:t>
+            </a:r>
+            <a:r>
+              <a:rPr kumimoji="1" lang="zh-CN" altLang="en-US" dirty="0" smtClean="0"/>
+              <a:t>指纹信息统计</a:t>
             </a:r>
             <a:endParaRPr kumimoji="1" lang="zh-CN" altLang="en-US" dirty="0"/>
           </a:p>
@@ -5460,23 +5956,7 @@
             </a:r>
             <a:r>
               <a:rPr kumimoji="1" lang="zh-CN" altLang="en-US" dirty="0" smtClean="0"/>
-              <a:t>地址（</a:t>
-            </a:r>
-            <a:r>
-              <a:rPr kumimoji="1" lang="en-US" altLang="zh-CN" dirty="0" smtClean="0"/>
-              <a:t>Android</a:t>
-            </a:r>
-            <a:r>
-              <a:rPr kumimoji="1" lang="zh-CN" altLang="en-US" dirty="0" smtClean="0"/>
-              <a:t>  </a:t>
-            </a:r>
-            <a:r>
-              <a:rPr kumimoji="1" lang="en-US" altLang="zh-CN" dirty="0" smtClean="0"/>
-              <a:t>IOS</a:t>
-            </a:r>
-            <a:r>
-              <a:rPr kumimoji="1" lang="zh-CN" altLang="en-US" dirty="0" smtClean="0"/>
-              <a:t>）</a:t>
+              <a:t>地址</a:t>
             </a:r>
             <a:endParaRPr kumimoji="1" lang="en-US" altLang="zh-CN" dirty="0" smtClean="0"/>
           </a:p>
@@ -5735,8 +6215,16 @@
           <a:lstStyle/>
           <a:p>
             <a:r>
+              <a:rPr kumimoji="1" lang="en-US" altLang="zh-CN" dirty="0" smtClean="0"/>
+              <a:t>Android</a:t>
+            </a:r>
+            <a:r>
               <a:rPr kumimoji="1" lang="zh-CN" altLang="en-US" dirty="0" smtClean="0"/>
-              <a:t>其他附件风控信息</a:t>
+              <a:t>其他</a:t>
+            </a:r>
+            <a:r>
+              <a:rPr kumimoji="1" lang="zh-CN" altLang="en-US" dirty="0" smtClean="0"/>
+              <a:t>附件风控信息</a:t>
             </a:r>
             <a:endParaRPr kumimoji="1" lang="zh-CN" altLang="en-US" dirty="0"/>
           </a:p>
@@ -5826,7 +6314,15 @@
             </a:r>
             <a:r>
               <a:rPr lang="zh-CN" altLang="en-US" dirty="0" smtClean="0"/>
-              <a:t>检测（危险设备）</a:t>
+              <a:t>检测（危险设备</a:t>
+            </a:r>
+            <a:r>
+              <a:rPr lang="zh-CN" altLang="en-US" dirty="0" smtClean="0"/>
+              <a:t>）、是否</a:t>
+            </a:r>
+            <a:r>
+              <a:rPr lang="en-US" altLang="zh-CN" dirty="0" smtClean="0"/>
+              <a:t>root</a:t>
             </a:r>
             <a:endParaRPr lang="en-US" altLang="zh-CN" dirty="0" smtClean="0"/>
           </a:p>
@@ -5914,50 +6410,151 @@
           <a:lstStyle/>
           <a:p>
             <a:r>
-              <a:rPr kumimoji="1" lang="zh-CN" altLang="en-US" dirty="0" smtClean="0"/>
-              <a:t>实现</a:t>
-            </a:r>
+              <a:rPr lang="en-US" altLang="zh-CN" dirty="0"/>
+              <a:t>iOS</a:t>
+            </a:r>
+            <a:r>
+              <a:rPr lang="zh-CN" altLang="en-US" dirty="0" smtClean="0"/>
+              <a:t>设备</a:t>
+            </a:r>
+            <a:r>
+              <a:rPr kumimoji="1" lang="zh-CN" altLang="en-US" dirty="0"/>
+              <a:t>指纹信息统计</a:t>
+            </a:r>
+          </a:p>
+        </p:txBody>
+      </p:sp>
+      <p:sp>
+        <p:nvSpPr>
+          <p:cNvPr id="3" name="内容占位符 2"/>
+          <p:cNvSpPr>
+            <a:spLocks noGrp="1"/>
+          </p:cNvSpPr>
+          <p:nvPr>
+            <p:ph idx="1"/>
+          </p:nvPr>
+        </p:nvSpPr>
+        <p:spPr/>
+        <p:txBody>
+          <a:bodyPr/>
+          <a:lstStyle/>
+          <a:p>
+            <a:pPr>
+              <a:lnSpc>
+                <a:spcPct val="140000"/>
+              </a:lnSpc>
+            </a:pPr>
+            <a:r>
+              <a:rPr lang="zh-CN" altLang="en-US" dirty="0"/>
+              <a:t>获取检测是否模拟器</a:t>
+            </a:r>
+          </a:p>
+          <a:p>
+            <a:pPr>
+              <a:lnSpc>
+                <a:spcPct val="140000"/>
+              </a:lnSpc>
+            </a:pPr>
+            <a:r>
+              <a:rPr lang="zh-CN" altLang="en-US" dirty="0"/>
+              <a:t>获取是否越狱设备</a:t>
+            </a:r>
+          </a:p>
+          <a:p>
+            <a:pPr>
+              <a:lnSpc>
+                <a:spcPct val="140000"/>
+              </a:lnSpc>
+            </a:pPr>
+            <a:r>
+              <a:rPr lang="zh-CN" altLang="en-US" dirty="0"/>
+              <a:t>设备的</a:t>
+            </a:r>
+            <a:r>
+              <a:rPr lang="en-US" altLang="zh-CN" dirty="0"/>
+              <a:t>Mac</a:t>
+            </a:r>
+            <a:r>
+              <a:rPr lang="zh-CN" altLang="en-US" dirty="0"/>
+              <a:t>地址</a:t>
+            </a:r>
+            <a:r>
+              <a:rPr lang="en-US" altLang="zh-CN" dirty="0"/>
+              <a:t>(iOS10.3</a:t>
+            </a:r>
+            <a:r>
+              <a:rPr lang="zh-CN" altLang="en-US" dirty="0"/>
+              <a:t>以下根据</a:t>
+            </a:r>
+            <a:r>
+              <a:rPr lang="en-US" altLang="zh-CN" dirty="0" err="1"/>
+              <a:t>arp</a:t>
+            </a:r>
+            <a:r>
+              <a:rPr lang="zh-CN" altLang="en-US" dirty="0"/>
+              <a:t>表获取本机的</a:t>
+            </a:r>
+            <a:r>
+              <a:rPr lang="en-US" altLang="zh-CN" dirty="0"/>
+              <a:t>mac</a:t>
+            </a:r>
+            <a:r>
+              <a:rPr lang="zh-CN" altLang="en-US" dirty="0"/>
+              <a:t>地址</a:t>
+            </a:r>
+            <a:r>
+              <a:rPr lang="en-US" altLang="zh-CN" dirty="0"/>
+              <a:t>)</a:t>
+            </a:r>
+            <a:r>
+              <a:rPr lang="zh-CN" altLang="en-US" dirty="0"/>
+              <a:t>、</a:t>
+            </a:r>
+            <a:r>
+              <a:rPr lang="en-US" altLang="zh-CN" dirty="0" err="1"/>
+              <a:t>wifi</a:t>
+            </a:r>
+            <a:r>
+              <a:rPr lang="zh-CN" altLang="en-US" dirty="0"/>
+              <a:t>的</a:t>
+            </a:r>
+            <a:r>
+              <a:rPr lang="en-US" altLang="zh-CN" dirty="0"/>
+              <a:t>mac</a:t>
+            </a:r>
+            <a:r>
+              <a:rPr lang="zh-CN" altLang="en-US" dirty="0"/>
+              <a:t>地址</a:t>
+            </a:r>
+          </a:p>
+          <a:p>
+            <a:pPr>
+              <a:lnSpc>
+                <a:spcPct val="140000"/>
+              </a:lnSpc>
+            </a:pPr>
+            <a:r>
+              <a:rPr lang="en-US" altLang="zh-CN" dirty="0"/>
+              <a:t>device check(iOS11</a:t>
+            </a:r>
+            <a:r>
+              <a:rPr lang="zh-CN" altLang="en-US" dirty="0"/>
+              <a:t>及以上的设备</a:t>
+            </a:r>
+            <a:r>
+              <a:rPr lang="en-US" altLang="zh-CN" dirty="0"/>
+              <a:t>)</a:t>
+            </a:r>
+          </a:p>
+          <a:p>
             <a:endParaRPr kumimoji="1" lang="zh-CN" altLang="en-US" dirty="0"/>
-          </a:p>
-        </p:txBody>
-      </p:sp>
-      <p:sp>
-        <p:nvSpPr>
-          <p:cNvPr id="3" name="内容占位符 2"/>
-          <p:cNvSpPr>
-            <a:spLocks noGrp="1"/>
-          </p:cNvSpPr>
-          <p:nvPr>
-            <p:ph idx="1"/>
-          </p:nvPr>
-        </p:nvSpPr>
-        <p:spPr/>
-        <p:txBody>
-          <a:bodyPr/>
-          <a:lstStyle/>
-          <a:p>
-            <a:r>
-              <a:rPr kumimoji="1" lang="zh-CN" altLang="en-US" dirty="0" smtClean="0"/>
-              <a:t>迭代及完善</a:t>
-            </a:r>
-            <a:endParaRPr kumimoji="1" lang="en-US" altLang="zh-CN" dirty="0" smtClean="0"/>
-          </a:p>
-          <a:p>
-            <a:r>
-              <a:rPr kumimoji="1" lang="zh-CN" altLang="en-US" dirty="0" smtClean="0"/>
-              <a:t>效果及反馈</a:t>
-            </a:r>
-            <a:endParaRPr kumimoji="1" lang="en-US" altLang="zh-CN" dirty="0" smtClean="0"/>
-          </a:p>
-          <a:p>
-            <a:endParaRPr kumimoji="1" lang="en-US" altLang="zh-CN" dirty="0" smtClean="0"/>
           </a:p>
         </p:txBody>
       </p:sp>
     </p:spTree>
     <p:extLst>
       <p:ext uri="{BB962C8B-B14F-4D97-AF65-F5344CB8AC3E}">
-        <p14:creationId xmlns:p14="http://schemas.microsoft.com/office/powerpoint/2010/main" val="894526557"/>
+        <p14:creationId xmlns:p14="http://schemas.microsoft.com/office/powerpoint/2010/main" val="216383239"/>
       </p:ext>
     </p:extLst>
   </p:cSld>
@@ -6001,7 +6598,7 @@
           <a:p>
             <a:r>
               <a:rPr kumimoji="1" lang="zh-CN" altLang="en-US" dirty="0" smtClean="0"/>
-              <a:t>展望</a:t>
+              <a:t>匹配及风控机制</a:t>
             </a:r>
             <a:endParaRPr kumimoji="1" lang="zh-CN" altLang="en-US" dirty="0"/>
           </a:p>
@@ -6017,26 +6614,109 @@
             <p:ph idx="1"/>
           </p:nvPr>
         </p:nvSpPr>
-        <p:spPr/>
-        <p:txBody>
-          <a:bodyPr/>
-          <a:lstStyle/>
-          <a:p>
+        <p:spPr>
+          <a:xfrm>
+            <a:off x="838200" y="1825625"/>
+            <a:ext cx="10515600" cy="4718610"/>
+          </a:xfrm>
+        </p:spPr>
+        <p:txBody>
+          <a:bodyPr/>
+          <a:lstStyle/>
+          <a:p>
+            <a:pPr>
+              <a:lnSpc>
+                <a:spcPct val="140000"/>
+              </a:lnSpc>
+            </a:pPr>
+            <a:r>
+              <a:rPr kumimoji="1" lang="en-US" altLang="zh-CN" dirty="0" smtClean="0"/>
+              <a:t>Android</a:t>
+            </a:r>
             <a:r>
               <a:rPr kumimoji="1" lang="zh-CN" altLang="en-US" dirty="0" smtClean="0"/>
-              <a:t>有用信息的搜集及匹配模型创新</a:t>
+              <a:t>的维度比较多，有四个特征信息，采用积分制</a:t>
             </a:r>
             <a:endParaRPr kumimoji="1" lang="en-US" altLang="zh-CN" dirty="0" smtClean="0"/>
           </a:p>
           <a:p>
-            <a:endParaRPr kumimoji="1" lang="zh-CN" altLang="en-US" dirty="0"/>
+            <a:pPr>
+              <a:lnSpc>
+                <a:spcPct val="140000"/>
+              </a:lnSpc>
+            </a:pPr>
+            <a:r>
+              <a:rPr kumimoji="1" lang="en-US" altLang="zh-CN" dirty="0" err="1"/>
+              <a:t>i</a:t>
+            </a:r>
+            <a:r>
+              <a:rPr kumimoji="1" lang="en-US" altLang="zh-CN" dirty="0" err="1" smtClean="0"/>
+              <a:t>os</a:t>
+            </a:r>
+            <a:r>
+              <a:rPr kumimoji="1" lang="zh-CN" altLang="en-US" dirty="0" smtClean="0"/>
+              <a:t>采用</a:t>
+            </a:r>
+            <a:r>
+              <a:rPr kumimoji="1" lang="en-US" altLang="zh-CN" dirty="0" smtClean="0"/>
+              <a:t>MAC</a:t>
+            </a:r>
+            <a:r>
+              <a:rPr kumimoji="1" lang="zh-CN" altLang="en-US" dirty="0" smtClean="0"/>
+              <a:t>地址</a:t>
+            </a:r>
+            <a:r>
+              <a:rPr kumimoji="1" lang="en-US" altLang="zh-CN" dirty="0" smtClean="0"/>
+              <a:t>+</a:t>
+            </a:r>
+            <a:r>
+              <a:rPr kumimoji="1" lang="en-US" altLang="zh-CN" dirty="0" err="1" smtClean="0"/>
+              <a:t>idfa</a:t>
+            </a:r>
+            <a:r>
+              <a:rPr kumimoji="1" lang="zh-CN" altLang="en-US" dirty="0" smtClean="0"/>
+              <a:t>作为参考</a:t>
+            </a:r>
+            <a:endParaRPr kumimoji="1" lang="en-US" altLang="zh-CN" dirty="0" smtClean="0"/>
+          </a:p>
+          <a:p>
+            <a:pPr>
+              <a:lnSpc>
+                <a:spcPct val="140000"/>
+              </a:lnSpc>
+            </a:pPr>
+            <a:r>
+              <a:rPr kumimoji="1" lang="zh-CN" altLang="en-US" dirty="0" smtClean="0"/>
+              <a:t>模拟器不可优惠券下单</a:t>
+            </a:r>
+            <a:endParaRPr kumimoji="1" lang="en-US" altLang="zh-CN" dirty="0" smtClean="0"/>
+          </a:p>
+          <a:p>
+            <a:pPr>
+              <a:lnSpc>
+                <a:spcPct val="140000"/>
+              </a:lnSpc>
+            </a:pPr>
+            <a:r>
+              <a:rPr kumimoji="1" lang="zh-CN" altLang="en-US" dirty="0" smtClean="0"/>
+              <a:t>区域内去重（如</a:t>
+            </a:r>
+            <a:r>
+              <a:rPr kumimoji="1" lang="en-US" altLang="zh-CN" dirty="0" err="1" smtClean="0"/>
+              <a:t>WiFiMAC</a:t>
+            </a:r>
+            <a:r>
+              <a:rPr kumimoji="1" lang="zh-CN" altLang="en-US" dirty="0" smtClean="0"/>
+              <a:t>，将来还能用定位等信息）</a:t>
+            </a:r>
+            <a:endParaRPr kumimoji="1" lang="en-US" altLang="zh-CN" dirty="0" smtClean="0"/>
           </a:p>
         </p:txBody>
       </p:sp>
     </p:spTree>
     <p:extLst>
       <p:ext uri="{BB962C8B-B14F-4D97-AF65-F5344CB8AC3E}">
-        <p14:creationId xmlns:p14="http://schemas.microsoft.com/office/powerpoint/2010/main" val="1076661741"/>
+        <p14:creationId xmlns:p14="http://schemas.microsoft.com/office/powerpoint/2010/main" val="894526557"/>
       </p:ext>
     </p:extLst>
   </p:cSld>

--- a/_posts/Android/严选可信ID项目.pptx
+++ b/_posts/Android/严选可信ID项目.pptx
@@ -2,24 +2,25 @@
 <file path=ppt/presentation.xml><?xml version="1.0" encoding="utf-8"?>
 <p:presentation xmlns:a="http://schemas.openxmlformats.org/drawingml/2006/main" xmlns:r="http://schemas.openxmlformats.org/officeDocument/2006/relationships" xmlns:p="http://schemas.openxmlformats.org/presentationml/2006/main" saveSubsetFonts="1" autoCompressPictures="0">
   <p:sldMasterIdLst>
-    <p:sldMasterId id="2147483882" r:id="rId1"/>
+    <p:sldMasterId id="2147483912" r:id="rId1"/>
   </p:sldMasterIdLst>
   <p:notesMasterIdLst>
-    <p:notesMasterId r:id="rId14"/>
+    <p:notesMasterId r:id="rId15"/>
   </p:notesMasterIdLst>
   <p:sldIdLst>
     <p:sldId id="256" r:id="rId2"/>
-    <p:sldId id="257" r:id="rId3"/>
-    <p:sldId id="265" r:id="rId4"/>
-    <p:sldId id="259" r:id="rId5"/>
-    <p:sldId id="262" r:id="rId6"/>
-    <p:sldId id="263" r:id="rId7"/>
-    <p:sldId id="264" r:id="rId8"/>
-    <p:sldId id="266" r:id="rId9"/>
-    <p:sldId id="260" r:id="rId10"/>
-    <p:sldId id="268" r:id="rId11"/>
-    <p:sldId id="261" r:id="rId12"/>
-    <p:sldId id="267" r:id="rId13"/>
+    <p:sldId id="269" r:id="rId3"/>
+    <p:sldId id="257" r:id="rId4"/>
+    <p:sldId id="265" r:id="rId5"/>
+    <p:sldId id="259" r:id="rId6"/>
+    <p:sldId id="262" r:id="rId7"/>
+    <p:sldId id="263" r:id="rId8"/>
+    <p:sldId id="264" r:id="rId9"/>
+    <p:sldId id="266" r:id="rId10"/>
+    <p:sldId id="260" r:id="rId11"/>
+    <p:sldId id="268" r:id="rId12"/>
+    <p:sldId id="261" r:id="rId13"/>
+    <p:sldId id="267" r:id="rId14"/>
   </p:sldIdLst>
   <p:sldSz cx="12192000" cy="6858000"/>
   <p:notesSz cx="6858000" cy="9144000"/>
@@ -538,11 +539,11 @@
               <a:defRPr/>
             </a:pPr>
             <a:r>
-              <a:rPr kumimoji="1" lang="zh-CN" altLang="en-US" sz="1200" dirty="0" smtClean="0"/>
+              <a:rPr kumimoji="1" lang="zh-CN" altLang="en-US" sz="1200" smtClean="0"/>
               <a:t>严选为了推广及拉新，投放了很多新人券、免单券，耗费了不少人力物力，但由于羊毛党猖獗，这些运营活动往往达不到预期效果，很多都被刷子刷去了，不仅影响正常的运营推广，还对严选的统计及分析带了很大阻碍。尽管不少活动已经限制了一人一机、但由于手机系统自身漏洞，刷子不仅能用模拟器模拟真机，还能用一个机器模拟无限个机器，绕过限制，进而低成本刷券，</a:t>
             </a:r>
             <a:r>
-              <a:rPr kumimoji="1" lang="zh-CN" altLang="en-US" sz="1200" dirty="0" smtClean="0">
+              <a:rPr kumimoji="1" lang="zh-CN" altLang="en-US" sz="1200" smtClean="0">
                 <a:solidFill>
                   <a:srgbClr val="FF0000"/>
                 </a:solidFill>
@@ -550,13 +551,13 @@
               <a:t>如何重设备</a:t>
             </a:r>
             <a:r>
-              <a:rPr kumimoji="1" lang="zh-CN" altLang="en-US" sz="1200" dirty="0" smtClean="0"/>
+              <a:rPr kumimoji="1" lang="zh-CN" altLang="en-US" sz="1200" smtClean="0"/>
               <a:t>就成了风控必不可少的一个环节。</a:t>
             </a:r>
             <a:endParaRPr kumimoji="1" lang="en-US" altLang="zh-CN" sz="1200" dirty="0" smtClean="0"/>
           </a:p>
           <a:p>
-            <a:endParaRPr kumimoji="1" lang="zh-CN" altLang="en-US" dirty="0"/>
+            <a:endParaRPr kumimoji="1" lang="zh-CN" altLang="en-US"/>
           </a:p>
         </p:txBody>
       </p:sp>
@@ -577,7 +578,7 @@
           <a:p>
             <a:fld id="{22EFC972-2904-6640-A38E-FD82F24C3F23}" type="slidenum">
               <a:rPr kumimoji="1" lang="zh-CN" altLang="en-US" smtClean="0"/>
-              <a:t>2</a:t>
+              <a:t>3</a:t>
             </a:fld>
             <a:endParaRPr kumimoji="1" lang="zh-CN" altLang="en-US"/>
           </a:p>
@@ -662,13 +663,13 @@
               <a:t>APP</a:t>
             </a:r>
             <a:r>
-              <a:rPr kumimoji="1" lang="zh-CN" altLang="en-US" sz="1200" dirty="0" smtClean="0"/>
+              <a:rPr kumimoji="1" lang="zh-CN" altLang="en-US" sz="1200" smtClean="0"/>
               <a:t>端主要是完成设备跟踪，为每个设备生成一个身份，无论怎么篡改，都能定位到</a:t>
             </a:r>
             <a:endParaRPr kumimoji="1" lang="en-US" altLang="zh-CN" sz="1200" dirty="0" smtClean="0"/>
           </a:p>
           <a:p>
-            <a:endParaRPr kumimoji="1" lang="zh-CN" altLang="en-US" dirty="0"/>
+            <a:endParaRPr kumimoji="1" lang="zh-CN" altLang="en-US"/>
           </a:p>
         </p:txBody>
       </p:sp>
@@ -689,7 +690,7 @@
           <a:p>
             <a:fld id="{22EFC972-2904-6640-A38E-FD82F24C3F23}" type="slidenum">
               <a:rPr kumimoji="1" lang="zh-CN" altLang="en-US" smtClean="0"/>
-              <a:t>3</a:t>
+              <a:t>4</a:t>
             </a:fld>
             <a:endParaRPr kumimoji="1" lang="zh-CN" altLang="en-US"/>
           </a:p>
@@ -753,7 +754,7 @@
           <a:lstStyle/>
           <a:p>
             <a:r>
-              <a:rPr lang="en-US" altLang="zh-CN" sz="1200" b="0" i="0" kern="1200" dirty="0" smtClean="0">
+              <a:rPr lang="en-US" altLang="zh-CN" sz="1200" b="0" i="0" kern="1200" smtClean="0">
                 <a:solidFill>
                   <a:schemeClr val="tx1"/>
                 </a:solidFill>
@@ -765,7 +766,7 @@
               <a:t>1</a:t>
             </a:r>
             <a:r>
-              <a:rPr lang="zh-CN" altLang="en-US" sz="1200" b="0" i="0" kern="1200" dirty="0" smtClean="0">
+              <a:rPr lang="zh-CN" altLang="en-US" sz="1200" b="0" i="0" kern="1200" smtClean="0">
                 <a:solidFill>
                   <a:schemeClr val="tx1"/>
                 </a:solidFill>
@@ -777,7 +778,7 @@
               <a:t>、</a:t>
             </a:r>
             <a:r>
-              <a:rPr lang="en-US" altLang="zh-CN" sz="1200" b="0" i="0" kern="1200" dirty="0" smtClean="0">
+              <a:rPr lang="en-US" altLang="zh-CN" sz="1200" b="0" i="0" kern="1200" smtClean="0">
                 <a:solidFill>
                   <a:schemeClr val="tx1"/>
                 </a:solidFill>
@@ -789,7 +790,7 @@
               <a:t>Android</a:t>
             </a:r>
             <a:r>
-              <a:rPr lang="zh-CN" altLang="en-US" sz="1200" b="0" i="0" kern="1200" dirty="0" smtClean="0">
+              <a:rPr lang="zh-CN" altLang="en-US" sz="1200" b="0" i="0" kern="1200" smtClean="0">
                 <a:solidFill>
                   <a:schemeClr val="tx1"/>
                 </a:solidFill>
@@ -801,7 +802,7 @@
               <a:t> 目前常用的几个设备识别码主要有</a:t>
             </a:r>
             <a:r>
-              <a:rPr lang="en-US" altLang="zh-CN" sz="1200" b="0" i="0" kern="1200" dirty="0" smtClean="0">
+              <a:rPr lang="en-US" altLang="zh-CN" sz="1200" b="0" i="0" kern="1200" smtClean="0">
                 <a:solidFill>
                   <a:schemeClr val="tx1"/>
                 </a:solidFill>
@@ -813,7 +814,7 @@
               <a:t>IMEI</a:t>
             </a:r>
             <a:r>
-              <a:rPr lang="zh-CN" altLang="en-US" sz="1200" b="0" i="0" kern="1200" dirty="0" smtClean="0">
+              <a:rPr lang="zh-CN" altLang="en-US" sz="1200" b="0" i="0" kern="1200" smtClean="0">
                 <a:solidFill>
                   <a:schemeClr val="tx1"/>
                 </a:solidFill>
@@ -825,7 +826,7 @@
               <a:t>或者</a:t>
             </a:r>
             <a:r>
-              <a:rPr lang="en-US" altLang="zh-CN" sz="1200" b="0" i="0" kern="1200" dirty="0" smtClean="0">
+              <a:rPr lang="en-US" altLang="zh-CN" sz="1200" b="0" i="0" kern="1200" smtClean="0">
                 <a:solidFill>
                   <a:schemeClr val="tx1"/>
                 </a:solidFill>
@@ -837,7 +838,7 @@
               <a:t>MEID</a:t>
             </a:r>
             <a:r>
-              <a:rPr lang="zh-CN" altLang="en-US" sz="1200" b="0" i="0" kern="1200" dirty="0" smtClean="0">
+              <a:rPr lang="zh-CN" altLang="en-US" sz="1200" b="0" i="0" kern="1200" smtClean="0">
                 <a:solidFill>
                   <a:schemeClr val="tx1"/>
                 </a:solidFill>
@@ -849,7 +850,7 @@
               <a:t>，这两者也是常说的</a:t>
             </a:r>
             <a:r>
-              <a:rPr lang="en-US" altLang="zh-CN" sz="1200" b="0" i="0" kern="1200" dirty="0" err="1" smtClean="0">
+              <a:rPr lang="en-US" altLang="zh-CN" sz="1200" b="0" i="0" kern="1200" err="1" smtClean="0">
                 <a:solidFill>
                   <a:schemeClr val="tx1"/>
                 </a:solidFill>
@@ -861,7 +862,7 @@
               <a:t>DeviceId</a:t>
             </a:r>
             <a:r>
-              <a:rPr lang="zh-CN" altLang="en-US" sz="1200" b="0" i="0" kern="1200" dirty="0" smtClean="0">
+              <a:rPr lang="zh-CN" altLang="en-US" sz="1200" b="0" i="0" kern="1200" smtClean="0">
                 <a:solidFill>
                   <a:schemeClr val="tx1"/>
                 </a:solidFill>
@@ -873,7 +874,7 @@
               <a:t>，不过</a:t>
             </a:r>
             <a:r>
-              <a:rPr lang="en-US" altLang="zh-CN" sz="1200" b="0" i="0" kern="1200" dirty="0" smtClean="0">
+              <a:rPr lang="en-US" altLang="zh-CN" sz="1200" b="0" i="0" kern="1200" smtClean="0">
                 <a:solidFill>
                   <a:schemeClr val="tx1"/>
                 </a:solidFill>
@@ -885,7 +886,7 @@
               <a:t>IMEI</a:t>
             </a:r>
             <a:r>
-              <a:rPr lang="zh-CN" altLang="en-US" sz="1200" b="0" i="0" kern="1200" dirty="0" smtClean="0">
+              <a:rPr lang="zh-CN" altLang="en-US" sz="1200" b="0" i="0" kern="1200" smtClean="0">
                 <a:solidFill>
                   <a:schemeClr val="tx1"/>
                 </a:solidFill>
@@ -897,7 +898,7 @@
               <a:t>在</a:t>
             </a:r>
             <a:r>
-              <a:rPr lang="en-US" altLang="zh-CN" sz="1200" b="0" i="0" kern="1200" dirty="0" smtClean="0">
+              <a:rPr lang="en-US" altLang="zh-CN" sz="1200" b="0" i="0" kern="1200" smtClean="0">
                 <a:solidFill>
                   <a:schemeClr val="tx1"/>
                 </a:solidFill>
@@ -909,7 +910,7 @@
               <a:t>Android6.0</a:t>
             </a:r>
             <a:r>
-              <a:rPr lang="zh-CN" altLang="en-US" sz="1200" b="0" i="0" kern="1200" dirty="0" smtClean="0">
+              <a:rPr lang="zh-CN" altLang="en-US" sz="1200" b="0" i="0" kern="1200" smtClean="0">
                 <a:solidFill>
                   <a:schemeClr val="tx1"/>
                 </a:solidFill>
@@ -921,7 +922,7 @@
               <a:t>之后需要权限才能获取，而且，在</a:t>
             </a:r>
             <a:r>
-              <a:rPr lang="en-US" altLang="zh-CN" sz="1200" b="0" i="0" kern="1200" dirty="0" smtClean="0">
+              <a:rPr lang="en-US" altLang="zh-CN" sz="1200" b="0" i="0" kern="1200" smtClean="0">
                 <a:solidFill>
                   <a:schemeClr val="tx1"/>
                 </a:solidFill>
@@ -933,7 +934,7 @@
               <a:t>Java</a:t>
             </a:r>
             <a:r>
-              <a:rPr lang="zh-CN" altLang="en-US" sz="1200" b="0" i="0" kern="1200" dirty="0" smtClean="0">
+              <a:rPr lang="zh-CN" altLang="en-US" sz="1200" b="0" i="0" kern="1200" smtClean="0">
                 <a:solidFill>
                   <a:schemeClr val="tx1"/>
                 </a:solidFill>
@@ -945,7 +946,7 @@
               <a:t>层</a:t>
             </a:r>
             <a:r>
-              <a:rPr lang="en-US" altLang="zh-CN" sz="1200" b="0" i="0" kern="1200" dirty="0" smtClean="0">
+              <a:rPr lang="en-US" altLang="zh-CN" sz="1200" b="0" i="0" kern="1200" smtClean="0">
                 <a:solidFill>
                   <a:schemeClr val="tx1"/>
                 </a:solidFill>
@@ -957,7 +958,7 @@
               <a:t>IMEI</a:t>
             </a:r>
             <a:r>
-              <a:rPr lang="zh-CN" altLang="en-US" sz="1200" b="0" i="0" kern="1200" dirty="0" smtClean="0">
+              <a:rPr lang="zh-CN" altLang="en-US" sz="1200" b="0" i="0" kern="1200" smtClean="0">
                 <a:solidFill>
                   <a:schemeClr val="tx1"/>
                 </a:solidFill>
@@ -969,7 +970,7 @@
               <a:t>很容易被</a:t>
             </a:r>
             <a:r>
-              <a:rPr lang="en-US" altLang="zh-CN" sz="1200" b="0" i="0" kern="1200" dirty="0" smtClean="0">
+              <a:rPr lang="en-US" altLang="zh-CN" sz="1200" b="0" i="0" kern="1200" smtClean="0">
                 <a:solidFill>
                   <a:schemeClr val="tx1"/>
                 </a:solidFill>
@@ -981,7 +982,7 @@
               <a:t>Hook</a:t>
             </a:r>
             <a:r>
-              <a:rPr lang="zh-CN" altLang="en-US" sz="1200" b="0" i="0" kern="1200" dirty="0" smtClean="0">
+              <a:rPr lang="zh-CN" altLang="en-US" sz="1200" b="0" i="0" kern="1200" smtClean="0">
                 <a:solidFill>
                   <a:schemeClr val="tx1"/>
                 </a:solidFill>
@@ -993,7 +994,7 @@
               <a:t>，并不靠谱，同样有问题的还包括</a:t>
             </a:r>
             <a:r>
-              <a:rPr lang="en-US" altLang="zh-CN" sz="1200" b="0" i="0" kern="1200" dirty="0" smtClean="0">
+              <a:rPr lang="en-US" altLang="zh-CN" sz="1200" b="0" i="0" kern="1200" smtClean="0">
                 <a:solidFill>
                   <a:schemeClr val="tx1"/>
                 </a:solidFill>
@@ -1005,7 +1006,7 @@
               <a:t>MAC</a:t>
             </a:r>
             <a:r>
-              <a:rPr lang="zh-CN" altLang="en-US" sz="1200" b="0" i="0" kern="1200" dirty="0" smtClean="0">
+              <a:rPr lang="zh-CN" altLang="en-US" sz="1200" b="0" i="0" kern="1200" smtClean="0">
                 <a:solidFill>
                   <a:schemeClr val="tx1"/>
                 </a:solidFill>
@@ -1017,7 +1018,7 @@
               <a:t>地址、蓝牙地址，序列号等，都可能被篡改，为了解决这个问题，从以下两方面入手，一方面，可以采用相对底层的方法获取“准确”的特征值，另一方面，可以借助后台大数据做匹配去重，进行设备的甄别，并为每个设备打上一个标识，这就是可信</a:t>
             </a:r>
             <a:r>
-              <a:rPr lang="en-US" altLang="zh-CN" sz="1200" b="0" i="0" kern="1200" dirty="0" smtClean="0">
+              <a:rPr lang="en-US" altLang="zh-CN" sz="1200" b="0" i="0" kern="1200" smtClean="0">
                 <a:solidFill>
                   <a:schemeClr val="tx1"/>
                 </a:solidFill>
@@ -1029,7 +1030,7 @@
               <a:t>ID</a:t>
             </a:r>
             <a:r>
-              <a:rPr lang="zh-CN" altLang="en-US" sz="1200" b="0" i="0" kern="1200" dirty="0" smtClean="0">
+              <a:rPr lang="zh-CN" altLang="en-US" sz="1200" b="0" i="0" kern="1200" smtClean="0">
                 <a:solidFill>
                   <a:schemeClr val="tx1"/>
                 </a:solidFill>
@@ -1040,7 +1041,7 @@
               </a:rPr>
               <a:t>的背景</a:t>
             </a:r>
-            <a:endParaRPr lang="en-US" altLang="zh-CN" sz="1200" b="0" i="0" kern="1200" dirty="0" smtClean="0">
+            <a:endParaRPr lang="en-US" altLang="zh-CN" sz="1200" b="0" i="0" kern="1200" smtClean="0">
               <a:solidFill>
                 <a:schemeClr val="tx1"/>
               </a:solidFill>
@@ -1051,7 +1052,7 @@
             </a:endParaRPr>
           </a:p>
           <a:p>
-            <a:endParaRPr kumimoji="1" lang="en-US" altLang="zh-CN" sz="1200" b="0" i="0" kern="1200" dirty="0" smtClean="0">
+            <a:endParaRPr kumimoji="1" lang="en-US" altLang="zh-CN" sz="1200" b="0" i="0" kern="1200" smtClean="0">
               <a:solidFill>
                 <a:schemeClr val="tx1"/>
               </a:solidFill>
@@ -1063,7 +1064,7 @@
           </a:p>
           <a:p>
             <a:r>
-              <a:rPr kumimoji="1" lang="en-US" altLang="zh-CN" sz="1200" b="0" i="0" kern="1200" dirty="0" smtClean="0">
+              <a:rPr kumimoji="1" lang="en-US" altLang="zh-CN" sz="1200" b="0" i="0" kern="1200" smtClean="0">
                 <a:solidFill>
                   <a:schemeClr val="tx1"/>
                 </a:solidFill>
@@ -1075,7 +1076,7 @@
               <a:t>2</a:t>
             </a:r>
             <a:r>
-              <a:rPr kumimoji="1" lang="zh-CN" altLang="en-US" sz="1200" b="0" i="0" kern="1200" dirty="0" smtClean="0">
+              <a:rPr kumimoji="1" lang="zh-CN" altLang="en-US" sz="1200" b="0" i="0" kern="1200" smtClean="0">
                 <a:solidFill>
                   <a:schemeClr val="tx1"/>
                 </a:solidFill>
@@ -1087,7 +1088,7 @@
               <a:t>、</a:t>
             </a:r>
             <a:r>
-              <a:rPr kumimoji="1" lang="en-US" altLang="zh-CN" sz="1200" b="0" i="0" kern="1200" dirty="0" err="1" smtClean="0">
+              <a:rPr kumimoji="1" lang="en-US" altLang="zh-CN" sz="1200" b="0" i="0" kern="1200" err="1" smtClean="0">
                 <a:solidFill>
                   <a:schemeClr val="tx1"/>
                 </a:solidFill>
@@ -1099,7 +1100,7 @@
               <a:t>ios</a:t>
             </a:r>
             <a:r>
-              <a:rPr kumimoji="1" lang="zh-CN" altLang="en-US" sz="1200" b="0" i="0" kern="1200" dirty="0" smtClean="0">
+              <a:rPr kumimoji="1" lang="zh-CN" altLang="en-US" sz="1200" b="0" i="0" kern="1200" smtClean="0">
                 <a:solidFill>
                   <a:schemeClr val="tx1"/>
                 </a:solidFill>
@@ -1110,7 +1111,7 @@
               </a:rPr>
               <a:t>技术</a:t>
             </a:r>
-            <a:endParaRPr kumimoji="1" lang="en-US" altLang="zh-CN" sz="1200" b="0" i="0" kern="1200" dirty="0" smtClean="0">
+            <a:endParaRPr kumimoji="1" lang="en-US" altLang="zh-CN" sz="1200" b="0" i="0" kern="1200" smtClean="0">
               <a:solidFill>
                 <a:schemeClr val="tx1"/>
               </a:solidFill>
@@ -1121,7 +1122,7 @@
             </a:endParaRPr>
           </a:p>
           <a:p>
-            <a:endParaRPr kumimoji="1" lang="en-US" altLang="zh-CN" sz="1200" b="0" i="0" kern="1200" dirty="0" smtClean="0">
+            <a:endParaRPr kumimoji="1" lang="en-US" altLang="zh-CN" sz="1200" b="0" i="0" kern="1200" smtClean="0">
               <a:solidFill>
                 <a:schemeClr val="tx1"/>
               </a:solidFill>
@@ -1150,7 +1151,7 @@
               <a:defRPr/>
             </a:pPr>
             <a:r>
-              <a:rPr kumimoji="1" lang="en-US" altLang="zh-CN" sz="1200" b="0" i="0" kern="1200" dirty="0" smtClean="0">
+              <a:rPr kumimoji="1" lang="en-US" altLang="zh-CN" sz="1200" b="0" i="0" kern="1200" smtClean="0">
                 <a:solidFill>
                   <a:schemeClr val="tx1"/>
                 </a:solidFill>
@@ -1162,7 +1163,7 @@
               <a:t>3</a:t>
             </a:r>
             <a:r>
-              <a:rPr kumimoji="1" lang="zh-CN" altLang="en-US" sz="1200" b="0" i="0" kern="1200" dirty="0" smtClean="0">
+              <a:rPr kumimoji="1" lang="zh-CN" altLang="en-US" sz="1200" b="0" i="0" kern="1200" smtClean="0">
                 <a:solidFill>
                   <a:schemeClr val="tx1"/>
                 </a:solidFill>
@@ -1174,7 +1175,7 @@
               <a:t>、模拟器检测 （</a:t>
             </a:r>
             <a:r>
-              <a:rPr kumimoji="1" lang="en-US" altLang="zh-CN" sz="1200" b="0" i="0" kern="1200" dirty="0" smtClean="0">
+              <a:rPr kumimoji="1" lang="en-US" altLang="zh-CN" sz="1200" b="0" i="0" kern="1200" smtClean="0">
                 <a:solidFill>
                   <a:schemeClr val="tx1"/>
                 </a:solidFill>
@@ -1186,7 +1187,7 @@
               <a:t>Android</a:t>
             </a:r>
             <a:r>
-              <a:rPr kumimoji="1" lang="zh-CN" altLang="en-US" sz="1200" b="0" i="0" kern="1200" dirty="0" smtClean="0">
+              <a:rPr kumimoji="1" lang="zh-CN" altLang="en-US" sz="1200" b="0" i="0" kern="1200" smtClean="0">
                 <a:solidFill>
                   <a:schemeClr val="tx1"/>
                 </a:solidFill>
@@ -1198,7 +1199,7 @@
               <a:t> 难点）宁可放过，不可错杀 ，初期 特征值（不太靠谱，各种</a:t>
             </a:r>
             <a:r>
-              <a:rPr kumimoji="1" lang="en-US" altLang="zh-CN" sz="1200" b="0" i="0" kern="1200" dirty="0" smtClean="0">
+              <a:rPr kumimoji="1" lang="en-US" altLang="zh-CN" sz="1200" b="0" i="0" kern="1200" smtClean="0">
                 <a:solidFill>
                   <a:schemeClr val="tx1"/>
                 </a:solidFill>
@@ -1210,7 +1211,7 @@
               <a:t>rom</a:t>
             </a:r>
             <a:r>
-              <a:rPr kumimoji="1" lang="zh-CN" altLang="en-US" sz="1200" b="0" i="0" kern="1200" baseline="0" dirty="0" smtClean="0">
+              <a:rPr kumimoji="1" lang="zh-CN" altLang="en-US" sz="1200" b="0" i="0" kern="1200" baseline="0" smtClean="0">
                 <a:solidFill>
                   <a:schemeClr val="tx1"/>
                 </a:solidFill>
@@ -1222,7 +1223,7 @@
               <a:t> ，可能批量都不是很标准</a:t>
             </a:r>
             <a:r>
-              <a:rPr kumimoji="1" lang="zh-CN" altLang="en-US" sz="1200" b="0" i="0" kern="1200" dirty="0" smtClean="0">
+              <a:rPr kumimoji="1" lang="zh-CN" altLang="en-US" sz="1200" b="0" i="0" kern="1200" smtClean="0">
                 <a:solidFill>
                   <a:schemeClr val="tx1"/>
                 </a:solidFill>
@@ -1233,7 +1234,7 @@
               </a:rPr>
               <a:t>）</a:t>
             </a:r>
-            <a:endParaRPr kumimoji="1" lang="en-US" altLang="zh-CN" sz="1200" b="0" i="0" kern="1200" dirty="0" smtClean="0">
+            <a:endParaRPr kumimoji="1" lang="en-US" altLang="zh-CN" sz="1200" b="0" i="0" kern="1200" smtClean="0">
               <a:solidFill>
                 <a:schemeClr val="tx1"/>
               </a:solidFill>
@@ -1244,7 +1245,7 @@
             </a:endParaRPr>
           </a:p>
           <a:p>
-            <a:endParaRPr kumimoji="1" lang="en-US" altLang="zh-CN" sz="1200" b="0" i="0" kern="1200" dirty="0" smtClean="0">
+            <a:endParaRPr kumimoji="1" lang="en-US" altLang="zh-CN" sz="1200" b="0" i="0" kern="1200" smtClean="0">
               <a:solidFill>
                 <a:schemeClr val="tx1"/>
               </a:solidFill>
@@ -1273,7 +1274,7 @@
               <a:defRPr/>
             </a:pPr>
             <a:r>
-              <a:rPr kumimoji="1" lang="en-US" altLang="zh-CN" sz="1200" b="0" i="0" kern="1200" dirty="0" smtClean="0">
+              <a:rPr kumimoji="1" lang="en-US" altLang="zh-CN" sz="1200" b="0" i="0" kern="1200" smtClean="0">
                 <a:solidFill>
                   <a:schemeClr val="tx1"/>
                 </a:solidFill>
@@ -1285,7 +1286,7 @@
               <a:t>4</a:t>
             </a:r>
             <a:r>
-              <a:rPr kumimoji="1" lang="zh-CN" altLang="en-US" sz="1200" b="0" i="0" kern="1200" dirty="0" smtClean="0">
+              <a:rPr kumimoji="1" lang="zh-CN" altLang="en-US" sz="1200" b="0" i="0" kern="1200" smtClean="0">
                 <a:solidFill>
                   <a:schemeClr val="tx1"/>
                 </a:solidFill>
@@ -1296,7 +1297,7 @@
               </a:rPr>
               <a:t>、后端匹配，打分制度，宁可放过，不可错杀</a:t>
             </a:r>
-            <a:endParaRPr kumimoji="1" lang="en-US" altLang="zh-CN" sz="1200" b="0" i="0" kern="1200" dirty="0" smtClean="0">
+            <a:endParaRPr kumimoji="1" lang="en-US" altLang="zh-CN" sz="1200" b="0" i="0" kern="1200" smtClean="0">
               <a:solidFill>
                 <a:schemeClr val="tx1"/>
               </a:solidFill>
@@ -1324,7 +1325,7 @@
               <a:tabLst/>
               <a:defRPr/>
             </a:pPr>
-            <a:endParaRPr kumimoji="1" lang="en-US" altLang="zh-CN" sz="1200" b="0" i="0" kern="1200" dirty="0" smtClean="0">
+            <a:endParaRPr kumimoji="1" lang="en-US" altLang="zh-CN" sz="1200" b="0" i="0" kern="1200" smtClean="0">
               <a:solidFill>
                 <a:schemeClr val="tx1"/>
               </a:solidFill>
@@ -1353,7 +1354,7 @@
               <a:defRPr/>
             </a:pPr>
             <a:r>
-              <a:rPr kumimoji="1" lang="en-US" altLang="zh-CN" sz="1200" b="0" i="0" kern="1200" dirty="0" smtClean="0">
+              <a:rPr kumimoji="1" lang="en-US" altLang="zh-CN" sz="1200" b="0" i="0" kern="1200" smtClean="0">
                 <a:solidFill>
                   <a:schemeClr val="tx1"/>
                 </a:solidFill>
@@ -1365,7 +1366,7 @@
               <a:t>5</a:t>
             </a:r>
             <a:r>
-              <a:rPr kumimoji="1" lang="zh-CN" altLang="en-US" sz="1200" b="0" i="0" kern="1200" dirty="0" smtClean="0">
+              <a:rPr kumimoji="1" lang="zh-CN" altLang="en-US" sz="1200" b="0" i="0" kern="1200" smtClean="0">
                 <a:solidFill>
                   <a:schemeClr val="tx1"/>
                 </a:solidFill>
@@ -1376,7 +1377,7 @@
               </a:rPr>
               <a:t>、打分机制的晚上 序列号升、那个将， 电量检测、特征值检测等</a:t>
             </a:r>
-            <a:endParaRPr kumimoji="1" lang="en-US" altLang="zh-CN" sz="1200" b="0" i="0" kern="1200" dirty="0" smtClean="0">
+            <a:endParaRPr kumimoji="1" lang="en-US" altLang="zh-CN" sz="1200" b="0" i="0" kern="1200" smtClean="0">
               <a:solidFill>
                 <a:schemeClr val="tx1"/>
               </a:solidFill>
@@ -1387,7 +1388,7 @@
             </a:endParaRPr>
           </a:p>
           <a:p>
-            <a:endParaRPr kumimoji="1" lang="en-US" altLang="zh-CN" sz="1200" b="0" i="0" kern="1200" dirty="0" smtClean="0">
+            <a:endParaRPr kumimoji="1" lang="en-US" altLang="zh-CN" sz="1200" b="0" i="0" kern="1200" smtClean="0">
               <a:solidFill>
                 <a:schemeClr val="tx1"/>
               </a:solidFill>
@@ -1399,7 +1400,7 @@
           </a:p>
           <a:p>
             <a:r>
-              <a:rPr kumimoji="1" lang="zh-CN" altLang="en-US" sz="1200" b="0" i="0" kern="1200" dirty="0" smtClean="0">
+              <a:rPr kumimoji="1" lang="zh-CN" altLang="en-US" sz="1200" b="0" i="0" kern="1200" smtClean="0">
                 <a:solidFill>
                   <a:schemeClr val="tx1"/>
                 </a:solidFill>
@@ -1410,7 +1411,7 @@
               </a:rPr>
               <a:t> </a:t>
             </a:r>
-            <a:endParaRPr kumimoji="1" lang="zh-CN" altLang="en-US" dirty="0"/>
+            <a:endParaRPr kumimoji="1" lang="zh-CN" altLang="en-US"/>
           </a:p>
         </p:txBody>
       </p:sp>
@@ -1431,7 +1432,7 @@
           <a:p>
             <a:fld id="{22EFC972-2904-6640-A38E-FD82F24C3F23}" type="slidenum">
               <a:rPr kumimoji="1" lang="zh-CN" altLang="en-US" smtClean="0"/>
-              <a:t>4</a:t>
+              <a:t>5</a:t>
             </a:fld>
             <a:endParaRPr kumimoji="1" lang="zh-CN" altLang="en-US"/>
           </a:p>
@@ -1495,117 +1496,117 @@
           <a:lstStyle/>
           <a:p>
             <a:r>
-              <a:rPr kumimoji="1" lang="zh-CN" altLang="en-US" dirty="0" smtClean="0"/>
+              <a:rPr kumimoji="1" lang="zh-CN" altLang="en-US" smtClean="0"/>
               <a:t>有很多准则，比如，同一区域</a:t>
             </a:r>
             <a:r>
-              <a:rPr kumimoji="1" lang="en-US" altLang="zh-CN" dirty="0" smtClean="0"/>
+              <a:rPr kumimoji="1" lang="en-US" altLang="zh-CN" smtClean="0"/>
               <a:t>4G</a:t>
             </a:r>
             <a:r>
-              <a:rPr kumimoji="1" lang="zh-CN" altLang="en-US" dirty="0" smtClean="0"/>
+              <a:rPr kumimoji="1" lang="zh-CN" altLang="en-US" smtClean="0"/>
               <a:t>上网的用户</a:t>
             </a:r>
             <a:r>
-              <a:rPr kumimoji="1" lang="en-US" altLang="zh-CN" dirty="0" smtClean="0"/>
+              <a:rPr kumimoji="1" lang="en-US" altLang="zh-CN" smtClean="0"/>
               <a:t>IMEI</a:t>
             </a:r>
             <a:r>
-              <a:rPr kumimoji="1" lang="zh-CN" altLang="en-US" dirty="0" smtClean="0"/>
+              <a:rPr kumimoji="1" lang="zh-CN" altLang="en-US" smtClean="0"/>
               <a:t>不应该一致，如果一致，可以看成一个用户 </a:t>
             </a:r>
-            <a:endParaRPr kumimoji="1" lang="en-US" altLang="zh-CN" dirty="0" smtClean="0"/>
-          </a:p>
-          <a:p>
-            <a:endParaRPr kumimoji="1" lang="en-US" altLang="zh-CN" dirty="0" smtClean="0"/>
-          </a:p>
-          <a:p>
-            <a:r>
-              <a:rPr kumimoji="1" lang="zh-CN" altLang="en-US" dirty="0" smtClean="0"/>
+            <a:endParaRPr kumimoji="1" lang="en-US" altLang="zh-CN" smtClean="0"/>
+          </a:p>
+          <a:p>
+            <a:endParaRPr kumimoji="1" lang="en-US" altLang="zh-CN" smtClean="0"/>
+          </a:p>
+          <a:p>
+            <a:r>
+              <a:rPr kumimoji="1" lang="zh-CN" altLang="en-US" smtClean="0"/>
               <a:t>同一个局域网下，</a:t>
             </a:r>
             <a:r>
-              <a:rPr kumimoji="1" lang="en-US" altLang="zh-CN" dirty="0" smtClean="0"/>
+              <a:rPr kumimoji="1" lang="en-US" altLang="zh-CN" smtClean="0"/>
               <a:t>MAC</a:t>
             </a:r>
             <a:r>
-              <a:rPr kumimoji="1" lang="zh-CN" altLang="en-US" dirty="0" smtClean="0"/>
+              <a:rPr kumimoji="1" lang="zh-CN" altLang="en-US" smtClean="0"/>
               <a:t>地址不能相同，相同就有问题，</a:t>
             </a:r>
             <a:r>
-              <a:rPr kumimoji="1" lang="en-US" altLang="zh-CN" dirty="0" smtClean="0"/>
+              <a:rPr kumimoji="1" lang="en-US" altLang="zh-CN" smtClean="0"/>
               <a:t>MAC</a:t>
             </a:r>
             <a:r>
-              <a:rPr kumimoji="1" lang="zh-CN" altLang="en-US" dirty="0" smtClean="0"/>
+              <a:rPr kumimoji="1" lang="zh-CN" altLang="en-US" smtClean="0"/>
               <a:t>地址如果有效，</a:t>
             </a:r>
-            <a:endParaRPr kumimoji="1" lang="en-US" altLang="zh-CN" dirty="0" smtClean="0"/>
-          </a:p>
-          <a:p>
-            <a:endParaRPr kumimoji="1" lang="en-US" altLang="zh-CN" dirty="0" smtClean="0"/>
-          </a:p>
-          <a:p>
-            <a:r>
-              <a:rPr kumimoji="1" lang="zh-CN" altLang="en-US" dirty="0" smtClean="0"/>
+            <a:endParaRPr kumimoji="1" lang="en-US" altLang="zh-CN" smtClean="0"/>
+          </a:p>
+          <a:p>
+            <a:endParaRPr kumimoji="1" lang="en-US" altLang="zh-CN" smtClean="0"/>
+          </a:p>
+          <a:p>
+            <a:r>
+              <a:rPr kumimoji="1" lang="zh-CN" altLang="en-US" smtClean="0"/>
               <a:t>同一片区域，某些特征值相同也可以认为同一个用户</a:t>
             </a:r>
-            <a:endParaRPr kumimoji="1" lang="en-US" altLang="zh-CN" dirty="0" smtClean="0"/>
-          </a:p>
-          <a:p>
-            <a:endParaRPr kumimoji="1" lang="en-US" altLang="zh-CN" dirty="0" smtClean="0"/>
-          </a:p>
-          <a:p>
-            <a:r>
-              <a:rPr kumimoji="1" lang="zh-CN" altLang="en-US" dirty="0" smtClean="0"/>
+            <a:endParaRPr kumimoji="1" lang="en-US" altLang="zh-CN" smtClean="0"/>
+          </a:p>
+          <a:p>
+            <a:endParaRPr kumimoji="1" lang="en-US" altLang="zh-CN" smtClean="0"/>
+          </a:p>
+          <a:p>
+            <a:r>
+              <a:rPr kumimoji="1" lang="zh-CN" altLang="en-US" smtClean="0"/>
               <a:t>多个特征值，部分匹配上，看累积一下分数，防止一些</a:t>
             </a:r>
             <a:r>
-              <a:rPr kumimoji="1" lang="en-US" altLang="zh-CN" dirty="0" smtClean="0"/>
+              <a:rPr kumimoji="1" lang="en-US" altLang="zh-CN" smtClean="0"/>
               <a:t>ROM</a:t>
             </a:r>
             <a:r>
-              <a:rPr kumimoji="1" lang="zh-CN" altLang="en-US" dirty="0" smtClean="0"/>
+              <a:rPr kumimoji="1" lang="zh-CN" altLang="en-US" smtClean="0"/>
               <a:t>的 </a:t>
             </a:r>
             <a:r>
-              <a:rPr kumimoji="1" lang="en-US" altLang="zh-CN" dirty="0" smtClean="0"/>
+              <a:rPr kumimoji="1" lang="en-US" altLang="zh-CN" smtClean="0"/>
               <a:t>bug</a:t>
             </a:r>
           </a:p>
           <a:p>
-            <a:endParaRPr kumimoji="1" lang="en-US" altLang="zh-CN" dirty="0" smtClean="0"/>
-          </a:p>
-          <a:p>
-            <a:r>
-              <a:rPr kumimoji="1" lang="zh-CN" altLang="en-US" dirty="0" smtClean="0"/>
+            <a:endParaRPr kumimoji="1" lang="en-US" altLang="zh-CN" smtClean="0"/>
+          </a:p>
+          <a:p>
+            <a:r>
+              <a:rPr kumimoji="1" lang="zh-CN" altLang="en-US" smtClean="0"/>
               <a:t>统计手段</a:t>
             </a:r>
             <a:r>
-              <a:rPr kumimoji="1" lang="en-US" altLang="zh-CN" dirty="0" smtClean="0"/>
+              <a:rPr kumimoji="1" lang="en-US" altLang="zh-CN" smtClean="0"/>
               <a:t>Android</a:t>
             </a:r>
             <a:r>
-              <a:rPr kumimoji="1" lang="zh-CN" altLang="en-US" dirty="0" smtClean="0"/>
+              <a:rPr kumimoji="1" lang="zh-CN" altLang="en-US" smtClean="0"/>
               <a:t>的话，优先使用</a:t>
             </a:r>
             <a:r>
-              <a:rPr kumimoji="1" lang="en-US" altLang="zh-CN" dirty="0" smtClean="0"/>
+              <a:rPr kumimoji="1" lang="en-US" altLang="zh-CN" smtClean="0"/>
               <a:t>native</a:t>
             </a:r>
             <a:r>
-              <a:rPr kumimoji="1" lang="zh-CN" altLang="en-US" dirty="0" smtClean="0"/>
+              <a:rPr kumimoji="1" lang="zh-CN" altLang="en-US" smtClean="0"/>
               <a:t>或者不太容易被</a:t>
             </a:r>
             <a:r>
-              <a:rPr kumimoji="1" lang="en-US" altLang="zh-CN" dirty="0" smtClean="0"/>
+              <a:rPr kumimoji="1" lang="en-US" altLang="zh-CN" smtClean="0"/>
               <a:t>HOOK</a:t>
             </a:r>
             <a:r>
-              <a:rPr kumimoji="1" lang="zh-CN" altLang="en-US" dirty="0" smtClean="0"/>
+              <a:rPr kumimoji="1" lang="zh-CN" altLang="en-US" smtClean="0"/>
               <a:t>的接口，（无法万全），毕竟系统开源，什么都能改，只是尽可能提高难度</a:t>
             </a:r>
-            <a:endParaRPr kumimoji="1" lang="zh-CN" altLang="en-US" dirty="0"/>
+            <a:endParaRPr kumimoji="1" lang="zh-CN" altLang="en-US"/>
           </a:p>
         </p:txBody>
       </p:sp>
@@ -1626,7 +1627,7 @@
           <a:p>
             <a:fld id="{22EFC972-2904-6640-A38E-FD82F24C3F23}" type="slidenum">
               <a:rPr kumimoji="1" lang="zh-CN" altLang="en-US" smtClean="0"/>
-              <a:t>5</a:t>
+              <a:t>6</a:t>
             </a:fld>
             <a:endParaRPr kumimoji="1" lang="zh-CN" altLang="en-US"/>
           </a:p>
@@ -1690,34 +1691,34 @@
           <a:lstStyle/>
           <a:p>
             <a:r>
-              <a:rPr kumimoji="1" lang="zh-CN" altLang="en-US" dirty="0" smtClean="0"/>
+              <a:rPr kumimoji="1" lang="zh-CN" altLang="en-US" smtClean="0"/>
               <a:t>在模拟器中，各种特征值都被更新，新建模拟器不需要成本，模拟器检测对</a:t>
             </a:r>
             <a:r>
-              <a:rPr kumimoji="1" lang="en-US" altLang="zh-CN" dirty="0" smtClean="0"/>
+              <a:rPr kumimoji="1" lang="en-US" altLang="zh-CN" smtClean="0"/>
               <a:t>Android</a:t>
             </a:r>
             <a:r>
-              <a:rPr kumimoji="1" lang="zh-CN" altLang="en-US" dirty="0" smtClean="0"/>
+              <a:rPr kumimoji="1" lang="zh-CN" altLang="en-US" smtClean="0"/>
               <a:t>很重要，初期，特征值检测 </a:t>
             </a:r>
             <a:r>
-              <a:rPr kumimoji="1" lang="en-US" altLang="zh-CN" dirty="0" smtClean="0"/>
+              <a:rPr kumimoji="1" lang="en-US" altLang="zh-CN" smtClean="0"/>
               <a:t>+</a:t>
             </a:r>
             <a:r>
-              <a:rPr kumimoji="1" lang="zh-CN" altLang="en-US" dirty="0" smtClean="0"/>
+              <a:rPr kumimoji="1" lang="zh-CN" altLang="en-US" smtClean="0"/>
               <a:t> 内存检测（看效果），后期不断完善，（单独进程检测，不影响</a:t>
             </a:r>
             <a:r>
-              <a:rPr kumimoji="1" lang="en-US" altLang="zh-CN" dirty="0" err="1" smtClean="0"/>
+              <a:rPr kumimoji="1" lang="en-US" altLang="zh-CN" err="1" smtClean="0"/>
               <a:t>Ui</a:t>
             </a:r>
             <a:r>
-              <a:rPr kumimoji="1" lang="zh-CN" altLang="en-US" dirty="0" smtClean="0"/>
+              <a:rPr kumimoji="1" lang="zh-CN" altLang="en-US" smtClean="0"/>
               <a:t>进程）</a:t>
             </a:r>
-            <a:endParaRPr kumimoji="1" lang="zh-CN" altLang="en-US" dirty="0"/>
+            <a:endParaRPr kumimoji="1" lang="zh-CN" altLang="en-US"/>
           </a:p>
         </p:txBody>
       </p:sp>
@@ -1738,7 +1739,7 @@
           <a:p>
             <a:fld id="{22EFC972-2904-6640-A38E-FD82F24C3F23}" type="slidenum">
               <a:rPr kumimoji="1" lang="zh-CN" altLang="en-US" smtClean="0"/>
-              <a:t>6</a:t>
+              <a:t>7</a:t>
             </a:fld>
             <a:endParaRPr kumimoji="1" lang="zh-CN" altLang="en-US"/>
           </a:p>
@@ -1801,7 +1802,7 @@
           <a:bodyPr/>
           <a:lstStyle/>
           <a:p>
-            <a:endParaRPr kumimoji="1" lang="zh-CN" altLang="en-US" dirty="0"/>
+            <a:endParaRPr kumimoji="1" lang="zh-CN" altLang="en-US"/>
           </a:p>
         </p:txBody>
       </p:sp>
@@ -1822,7 +1823,7 @@
           <a:p>
             <a:fld id="{22EFC972-2904-6640-A38E-FD82F24C3F23}" type="slidenum">
               <a:rPr kumimoji="1" lang="zh-CN" altLang="en-US" smtClean="0"/>
-              <a:t>9</a:t>
+              <a:t>10</a:t>
             </a:fld>
             <a:endParaRPr kumimoji="1" lang="zh-CN" altLang="en-US"/>
           </a:p>
@@ -1885,7 +1886,7 @@
           <a:bodyPr/>
           <a:lstStyle/>
           <a:p>
-            <a:endParaRPr kumimoji="1" lang="zh-CN" altLang="en-US" dirty="0"/>
+            <a:endParaRPr kumimoji="1" lang="zh-CN" altLang="en-US"/>
           </a:p>
         </p:txBody>
       </p:sp>
@@ -1906,7 +1907,7 @@
           <a:p>
             <a:fld id="{22EFC972-2904-6640-A38E-FD82F24C3F23}" type="slidenum">
               <a:rPr kumimoji="1" lang="zh-CN" altLang="en-US" smtClean="0"/>
-              <a:t>11</a:t>
+              <a:t>12</a:t>
             </a:fld>
             <a:endParaRPr kumimoji="1" lang="zh-CN" altLang="en-US"/>
           </a:p>
@@ -1969,7 +1970,7 @@
           <a:bodyPr/>
           <a:lstStyle/>
           <a:p>
-            <a:endParaRPr kumimoji="1" lang="zh-CN" altLang="en-US" dirty="0"/>
+            <a:endParaRPr kumimoji="1" lang="zh-CN" altLang="en-US"/>
           </a:p>
         </p:txBody>
       </p:sp>
@@ -1990,7 +1991,7 @@
           <a:p>
             <a:fld id="{22EFC972-2904-6640-A38E-FD82F24C3F23}" type="slidenum">
               <a:rPr kumimoji="1" lang="zh-CN" altLang="en-US" smtClean="0"/>
-              <a:t>12</a:t>
+              <a:t>13</a:t>
             </a:fld>
             <a:endParaRPr kumimoji="1" lang="zh-CN" altLang="en-US"/>
           </a:p>
@@ -3332,7 +3333,7 @@
               <a:rPr lang="zh-CN" altLang="en-US" smtClean="0"/>
               <a:t>将图片拖动到占位符，或单击添加图标</a:t>
             </a:r>
-            <a:endParaRPr lang="en-US" dirty="0"/>
+            <a:endParaRPr lang="en-US"/>
           </a:p>
         </p:txBody>
       </p:sp>
@@ -5285,7 +5286,7 @@
           <a:p>
             <a:pPr algn="r"/>
             <a:r>
-              <a:rPr lang="en-US" sz="9600" b="0" i="0" dirty="0">
+              <a:rPr lang="en-US" sz="9600" b="0" i="0">
                 <a:solidFill>
                   <a:schemeClr val="accent1">
                     <a:lumMod val="60000"/>
@@ -5324,7 +5325,7 @@
           <a:p>
             <a:pPr algn="r"/>
             <a:r>
-              <a:rPr lang="en-US" sz="9600" b="0" i="0" dirty="0">
+              <a:rPr lang="en-US" sz="9600" b="0" i="0">
                 <a:solidFill>
                   <a:schemeClr val="accent1">
                     <a:lumMod val="60000"/>
@@ -7468,7 +7469,7 @@
               <a:rPr lang="zh-CN" altLang="en-US" smtClean="0"/>
               <a:t>将图片拖动到占位符，或单击添加图标</a:t>
             </a:r>
-            <a:endParaRPr lang="en-US" dirty="0"/>
+            <a:endParaRPr lang="en-US"/>
           </a:p>
         </p:txBody>
       </p:sp>
@@ -7688,7 +7689,7 @@
               <a:rPr lang="zh-CN" altLang="en-US" smtClean="0"/>
               <a:t>将图片拖动到占位符，或单击添加图标</a:t>
             </a:r>
-            <a:endParaRPr lang="en-US" dirty="0"/>
+            <a:endParaRPr lang="en-US"/>
           </a:p>
         </p:txBody>
       </p:sp>
@@ -7908,7 +7909,7 @@
               <a:rPr lang="zh-CN" altLang="en-US" smtClean="0"/>
               <a:t>将图片拖动到占位符，或单击添加图标</a:t>
             </a:r>
-            <a:endParaRPr lang="en-US" dirty="0"/>
+            <a:endParaRPr lang="en-US"/>
           </a:p>
         </p:txBody>
       </p:sp>
@@ -13425,7 +13426,7 @@
               <a:rPr lang="zh-CN" altLang="en-US" smtClean="0"/>
               <a:t>将图片拖动到占位符，或单击添加图标</a:t>
             </a:r>
-            <a:endParaRPr lang="en-US" dirty="0"/>
+            <a:endParaRPr lang="en-US"/>
           </a:p>
         </p:txBody>
       </p:sp>
@@ -14631,29 +14632,29 @@
     </p:spTree>
     <p:extLst>
       <p:ext uri="{BB962C8B-B14F-4D97-AF65-F5344CB8AC3E}">
-        <p14:creationId xmlns:p14="http://schemas.microsoft.com/office/powerpoint/2010/main" val="327919636"/>
+        <p14:creationId xmlns:p14="http://schemas.microsoft.com/office/powerpoint/2010/main" val="838242693"/>
       </p:ext>
     </p:extLst>
   </p:cSld>
   <p:clrMap bg1="lt1" tx1="dk1" bg2="lt2" tx2="dk2" accent1="accent1" accent2="accent2" accent3="accent3" accent4="accent4" accent5="accent5" accent6="accent6" hlink="hlink" folHlink="folHlink"/>
   <p:sldLayoutIdLst>
-    <p:sldLayoutId id="2147483883" r:id="rId1"/>
-    <p:sldLayoutId id="2147483884" r:id="rId2"/>
-    <p:sldLayoutId id="2147483885" r:id="rId3"/>
-    <p:sldLayoutId id="2147483886" r:id="rId4"/>
-    <p:sldLayoutId id="2147483887" r:id="rId5"/>
-    <p:sldLayoutId id="2147483888" r:id="rId6"/>
-    <p:sldLayoutId id="2147483889" r:id="rId7"/>
-    <p:sldLayoutId id="2147483890" r:id="rId8"/>
-    <p:sldLayoutId id="2147483891" r:id="rId9"/>
-    <p:sldLayoutId id="2147483892" r:id="rId10"/>
-    <p:sldLayoutId id="2147483893" r:id="rId11"/>
-    <p:sldLayoutId id="2147483894" r:id="rId12"/>
-    <p:sldLayoutId id="2147483895" r:id="rId13"/>
-    <p:sldLayoutId id="2147483896" r:id="rId14"/>
-    <p:sldLayoutId id="2147483897" r:id="rId15"/>
-    <p:sldLayoutId id="2147483898" r:id="rId16"/>
-    <p:sldLayoutId id="2147483899" r:id="rId17"/>
+    <p:sldLayoutId id="2147483913" r:id="rId1"/>
+    <p:sldLayoutId id="2147483914" r:id="rId2"/>
+    <p:sldLayoutId id="2147483915" r:id="rId3"/>
+    <p:sldLayoutId id="2147483916" r:id="rId4"/>
+    <p:sldLayoutId id="2147483917" r:id="rId5"/>
+    <p:sldLayoutId id="2147483918" r:id="rId6"/>
+    <p:sldLayoutId id="2147483919" r:id="rId7"/>
+    <p:sldLayoutId id="2147483920" r:id="rId8"/>
+    <p:sldLayoutId id="2147483921" r:id="rId9"/>
+    <p:sldLayoutId id="2147483922" r:id="rId10"/>
+    <p:sldLayoutId id="2147483923" r:id="rId11"/>
+    <p:sldLayoutId id="2147483924" r:id="rId12"/>
+    <p:sldLayoutId id="2147483925" r:id="rId13"/>
+    <p:sldLayoutId id="2147483926" r:id="rId14"/>
+    <p:sldLayoutId id="2147483927" r:id="rId15"/>
+    <p:sldLayoutId id="2147483928" r:id="rId16"/>
+    <p:sldLayoutId id="2147483929" r:id="rId17"/>
   </p:sldLayoutIdLst>
   <p:txStyles>
     <p:titleStyle>
@@ -15093,7 +15094,7 @@
           <a:p>
             <a:pPr algn="ctr"/>
             <a:r>
-              <a:rPr kumimoji="1" lang="zh-CN" altLang="en-US" dirty="0" smtClean="0"/>
+              <a:rPr kumimoji="1" lang="zh-CN" altLang="en-US" smtClean="0"/>
               <a:t>严选可信</a:t>
             </a:r>
             <a:r>
@@ -15101,10 +15102,10 @@
               <a:t>Id</a:t>
             </a:r>
             <a:r>
-              <a:rPr kumimoji="1" lang="zh-CN" altLang="en-US" dirty="0" smtClean="0"/>
+              <a:rPr kumimoji="1" lang="zh-CN" altLang="en-US" smtClean="0"/>
               <a:t>项目</a:t>
             </a:r>
-            <a:endParaRPr kumimoji="1" lang="zh-CN" altLang="en-US" dirty="0"/>
+            <a:endParaRPr kumimoji="1" lang="zh-CN" altLang="en-US"/>
           </a:p>
         </p:txBody>
       </p:sp>
@@ -15154,10 +15155,10 @@
           <a:lstStyle/>
           <a:p>
             <a:r>
-              <a:rPr kumimoji="1" lang="zh-CN" altLang="en-US" dirty="0" smtClean="0"/>
-              <a:t>效果</a:t>
-            </a:r>
-            <a:endParaRPr kumimoji="1" lang="zh-CN" altLang="en-US" dirty="0"/>
+              <a:rPr kumimoji="1" lang="zh-CN" altLang="en-US" smtClean="0"/>
+              <a:t>匹配及风控机制</a:t>
+            </a:r>
+            <a:endParaRPr kumimoji="1" lang="zh-CN" altLang="en-US"/>
           </a:p>
         </p:txBody>
       </p:sp>
@@ -15171,19 +15172,133 @@
             <p:ph idx="1"/>
           </p:nvPr>
         </p:nvSpPr>
-        <p:spPr/>
+        <p:spPr>
+          <a:xfrm>
+            <a:off x="838200" y="2656113"/>
+            <a:ext cx="10515600" cy="3888121"/>
+          </a:xfrm>
+        </p:spPr>
         <p:txBody>
           <a:bodyPr/>
           <a:lstStyle/>
           <a:p>
-            <a:endParaRPr kumimoji="1" lang="zh-CN" altLang="en-US"/>
+            <a:pPr>
+              <a:lnSpc>
+                <a:spcPct val="140000"/>
+              </a:lnSpc>
+            </a:pPr>
+            <a:r>
+              <a:rPr kumimoji="1" lang="zh-CN" altLang="en-US" smtClean="0"/>
+              <a:t>后台匹配策略采用积制，超过阈值就算同一台设备</a:t>
+            </a:r>
+            <a:endParaRPr kumimoji="1" lang="en-US" altLang="zh-CN" smtClean="0"/>
+          </a:p>
+          <a:p>
+            <a:pPr>
+              <a:lnSpc>
+                <a:spcPct val="140000"/>
+              </a:lnSpc>
+            </a:pPr>
+            <a:r>
+              <a:rPr kumimoji="1" lang="en-US" altLang="zh-CN" err="1" smtClean="0"/>
+              <a:t>i</a:t>
+            </a:r>
+            <a:r>
+              <a:rPr kumimoji="1" lang="en-US" altLang="zh-CN" err="1" smtClean="0"/>
+              <a:t>os</a:t>
+            </a:r>
+            <a:r>
+              <a:rPr kumimoji="1" lang="zh-CN" altLang="en-US" smtClean="0"/>
+              <a:t>采用</a:t>
+            </a:r>
+            <a:r>
+              <a:rPr kumimoji="1" lang="en-US" altLang="zh-CN" smtClean="0"/>
+              <a:t>MAC</a:t>
+            </a:r>
+            <a:r>
+              <a:rPr kumimoji="1" lang="zh-CN" altLang="en-US" smtClean="0"/>
+              <a:t>地址</a:t>
+            </a:r>
+            <a:r>
+              <a:rPr kumimoji="1" lang="en-US" altLang="zh-CN" smtClean="0"/>
+              <a:t>+</a:t>
+            </a:r>
+            <a:r>
+              <a:rPr kumimoji="1" lang="en-US" altLang="zh-CN" err="1" smtClean="0"/>
+              <a:t>idfa+openUDID</a:t>
+            </a:r>
+            <a:r>
+              <a:rPr kumimoji="1" lang="zh-CN" altLang="en-US" smtClean="0"/>
+              <a:t>，</a:t>
+            </a:r>
+            <a:r>
+              <a:rPr kumimoji="1" lang="en-US" altLang="zh-CN" smtClean="0"/>
+              <a:t>Android</a:t>
+            </a:r>
+            <a:r>
+              <a:rPr kumimoji="1" lang="zh-CN" altLang="en-US"/>
+              <a:t>的指纹维度比较多，</a:t>
+            </a:r>
+            <a:r>
+              <a:rPr kumimoji="1" lang="zh-CN" altLang="en-US" smtClean="0"/>
+              <a:t>除四</a:t>
+            </a:r>
+            <a:r>
+              <a:rPr kumimoji="1" lang="zh-CN" altLang="en-US"/>
+              <a:t>个</a:t>
+            </a:r>
+            <a:r>
+              <a:rPr kumimoji="1" lang="zh-CN" altLang="en-US" smtClean="0"/>
+              <a:t>特征值，还有</a:t>
+            </a:r>
+            <a:r>
+              <a:rPr kumimoji="1" lang="zh-CN" altLang="en-US"/>
+              <a:t>机型等</a:t>
+            </a:r>
+            <a:r>
+              <a:rPr kumimoji="1" lang="zh-CN" altLang="en-US" smtClean="0"/>
+              <a:t>信息</a:t>
+            </a:r>
+            <a:endParaRPr kumimoji="1" lang="en-US" altLang="zh-CN" smtClean="0"/>
+          </a:p>
+          <a:p>
+            <a:pPr>
+              <a:lnSpc>
+                <a:spcPct val="140000"/>
+              </a:lnSpc>
+            </a:pPr>
+            <a:r>
+              <a:rPr kumimoji="1" lang="zh-CN" altLang="en-US" smtClean="0"/>
+              <a:t>模拟器不可优惠券下单</a:t>
+            </a:r>
+            <a:endParaRPr kumimoji="1" lang="en-US" altLang="zh-CN" smtClean="0"/>
+          </a:p>
+          <a:p>
+            <a:pPr>
+              <a:lnSpc>
+                <a:spcPct val="140000"/>
+              </a:lnSpc>
+            </a:pPr>
+            <a:r>
+              <a:rPr kumimoji="1" lang="zh-CN" altLang="en-US" smtClean="0"/>
+              <a:t>区域内去重（如</a:t>
+            </a:r>
+            <a:r>
+              <a:rPr kumimoji="1" lang="en-US" altLang="zh-CN" err="1" smtClean="0"/>
+              <a:t>WiFiMAC</a:t>
+            </a:r>
+            <a:r>
+              <a:rPr kumimoji="1" lang="zh-CN" altLang="en-US" smtClean="0"/>
+              <a:t>，将来还能用定位等信息）</a:t>
+            </a:r>
+            <a:endParaRPr kumimoji="1" lang="en-US" altLang="zh-CN" smtClean="0"/>
           </a:p>
         </p:txBody>
       </p:sp>
     </p:spTree>
     <p:extLst>
       <p:ext uri="{BB962C8B-B14F-4D97-AF65-F5344CB8AC3E}">
-        <p14:creationId xmlns:p14="http://schemas.microsoft.com/office/powerpoint/2010/main" val="47384452"/>
+        <p14:creationId xmlns:p14="http://schemas.microsoft.com/office/powerpoint/2010/main" val="894526557"/>
       </p:ext>
     </p:extLst>
   </p:cSld>
@@ -15226,10 +15341,10 @@
           <a:lstStyle/>
           <a:p>
             <a:r>
-              <a:rPr kumimoji="1" lang="zh-CN" altLang="en-US" dirty="0" smtClean="0"/>
-              <a:t>展望</a:t>
-            </a:r>
-            <a:endParaRPr kumimoji="1" lang="zh-CN" altLang="en-US" dirty="0"/>
+              <a:rPr kumimoji="1" lang="zh-CN" altLang="en-US" smtClean="0"/>
+              <a:t>效果</a:t>
+            </a:r>
+            <a:endParaRPr kumimoji="1" lang="zh-CN" altLang="en-US"/>
           </a:p>
         </p:txBody>
       </p:sp>
@@ -15248,51 +15363,14 @@
           <a:bodyPr/>
           <a:lstStyle/>
           <a:p>
-            <a:pPr>
-              <a:lnSpc>
-                <a:spcPct val="200000"/>
-              </a:lnSpc>
-            </a:pPr>
-            <a:r>
-              <a:rPr kumimoji="1" lang="zh-CN" altLang="en-US" dirty="0" smtClean="0"/>
-              <a:t>后台模型</a:t>
-            </a:r>
-            <a:r>
-              <a:rPr kumimoji="1" lang="zh-CN" altLang="en-US" dirty="0"/>
-              <a:t>需要根据平台监控不断完善修正</a:t>
-            </a:r>
-            <a:endParaRPr kumimoji="1" lang="en-US" altLang="zh-CN" dirty="0"/>
-          </a:p>
-          <a:p>
-            <a:pPr>
-              <a:lnSpc>
-                <a:spcPct val="200000"/>
-              </a:lnSpc>
-            </a:pPr>
-            <a:r>
-              <a:rPr kumimoji="1" lang="zh-CN" altLang="en-US" dirty="0"/>
-              <a:t>探索新的匹配模型</a:t>
-            </a:r>
-            <a:endParaRPr kumimoji="1" lang="en-US" altLang="zh-CN" dirty="0"/>
-          </a:p>
-          <a:p>
-            <a:pPr>
-              <a:lnSpc>
-                <a:spcPct val="200000"/>
-              </a:lnSpc>
-            </a:pPr>
-            <a:r>
-              <a:rPr kumimoji="1" lang="zh-CN" altLang="en-US" dirty="0" smtClean="0"/>
-              <a:t>硬件信息搜集手段需要不断更新（新隐私策略下越来越难收集）</a:t>
-            </a:r>
-            <a:endParaRPr kumimoji="1" lang="zh-CN" altLang="en-US" dirty="0"/>
+            <a:endParaRPr kumimoji="1" lang="zh-CN" altLang="en-US"/>
           </a:p>
         </p:txBody>
       </p:sp>
     </p:spTree>
     <p:extLst>
       <p:ext uri="{BB962C8B-B14F-4D97-AF65-F5344CB8AC3E}">
-        <p14:creationId xmlns:p14="http://schemas.microsoft.com/office/powerpoint/2010/main" val="1076661741"/>
+        <p14:creationId xmlns:p14="http://schemas.microsoft.com/office/powerpoint/2010/main" val="47384452"/>
       </p:ext>
     </p:extLst>
   </p:cSld>
@@ -15329,6 +15407,115 @@
             <p:ph type="title"/>
           </p:nvPr>
         </p:nvSpPr>
+        <p:spPr/>
+        <p:txBody>
+          <a:bodyPr/>
+          <a:lstStyle/>
+          <a:p>
+            <a:r>
+              <a:rPr kumimoji="1" lang="zh-CN" altLang="en-US" smtClean="0"/>
+              <a:t>展望</a:t>
+            </a:r>
+            <a:endParaRPr kumimoji="1" lang="zh-CN" altLang="en-US"/>
+          </a:p>
+        </p:txBody>
+      </p:sp>
+      <p:sp>
+        <p:nvSpPr>
+          <p:cNvPr id="3" name="内容占位符 2"/>
+          <p:cNvSpPr>
+            <a:spLocks noGrp="1"/>
+          </p:cNvSpPr>
+          <p:nvPr>
+            <p:ph idx="1"/>
+          </p:nvPr>
+        </p:nvSpPr>
+        <p:spPr/>
+        <p:txBody>
+          <a:bodyPr/>
+          <a:lstStyle/>
+          <a:p>
+            <a:pPr>
+              <a:lnSpc>
+                <a:spcPct val="200000"/>
+              </a:lnSpc>
+            </a:pPr>
+            <a:r>
+              <a:rPr kumimoji="1" lang="zh-CN" altLang="en-US" smtClean="0"/>
+              <a:t>后台模型</a:t>
+            </a:r>
+            <a:r>
+              <a:rPr kumimoji="1" lang="zh-CN" altLang="en-US"/>
+              <a:t>需要根据平台监控不断完善修正</a:t>
+            </a:r>
+            <a:endParaRPr kumimoji="1" lang="en-US" altLang="zh-CN"/>
+          </a:p>
+          <a:p>
+            <a:pPr>
+              <a:lnSpc>
+                <a:spcPct val="200000"/>
+              </a:lnSpc>
+            </a:pPr>
+            <a:r>
+              <a:rPr kumimoji="1" lang="zh-CN" altLang="en-US"/>
+              <a:t>探索新的匹配模型</a:t>
+            </a:r>
+            <a:endParaRPr kumimoji="1" lang="en-US" altLang="zh-CN"/>
+          </a:p>
+          <a:p>
+            <a:pPr>
+              <a:lnSpc>
+                <a:spcPct val="200000"/>
+              </a:lnSpc>
+            </a:pPr>
+            <a:r>
+              <a:rPr kumimoji="1" lang="zh-CN" altLang="en-US" smtClean="0"/>
+              <a:t>硬件信息搜集手段需要不断更新（新隐私策略下越来越难收集）</a:t>
+            </a:r>
+            <a:endParaRPr kumimoji="1" lang="zh-CN" altLang="en-US"/>
+          </a:p>
+        </p:txBody>
+      </p:sp>
+    </p:spTree>
+    <p:extLst>
+      <p:ext uri="{BB962C8B-B14F-4D97-AF65-F5344CB8AC3E}">
+        <p14:creationId xmlns:p14="http://schemas.microsoft.com/office/powerpoint/2010/main" val="1076661741"/>
+      </p:ext>
+    </p:extLst>
+  </p:cSld>
+  <p:clrMapOvr>
+    <a:masterClrMapping/>
+  </p:clrMapOvr>
+</p:sld>
+</file>
+
+<file path=ppt/slides/slide13.xml><?xml version="1.0" encoding="utf-8"?>
+<p:sld xmlns:a="http://schemas.openxmlformats.org/drawingml/2006/main" xmlns:r="http://schemas.openxmlformats.org/officeDocument/2006/relationships" xmlns:p="http://schemas.openxmlformats.org/presentationml/2006/main">
+  <p:cSld>
+    <p:spTree>
+      <p:nvGrpSpPr>
+        <p:cNvPr id="1" name=""/>
+        <p:cNvGrpSpPr/>
+        <p:nvPr/>
+      </p:nvGrpSpPr>
+      <p:grpSpPr>
+        <a:xfrm>
+          <a:off x="0" y="0"/>
+          <a:ext cx="0" cy="0"/>
+          <a:chOff x="0" y="0"/>
+          <a:chExt cx="0" cy="0"/>
+        </a:xfrm>
+      </p:grpSpPr>
+      <p:sp>
+        <p:nvSpPr>
+          <p:cNvPr id="2" name="标题 1"/>
+          <p:cNvSpPr>
+            <a:spLocks noGrp="1"/>
+          </p:cNvSpPr>
+          <p:nvPr>
+            <p:ph type="title"/>
+          </p:nvPr>
+        </p:nvSpPr>
         <p:spPr>
           <a:xfrm>
             <a:off x="1035423" y="3144184"/>
@@ -15341,10 +15528,10 @@
           <a:p>
             <a:pPr algn="ctr"/>
             <a:r>
-              <a:rPr kumimoji="1" lang="zh-CN" altLang="en-US" dirty="0" smtClean="0"/>
+              <a:rPr kumimoji="1" lang="zh-CN" altLang="en-US" smtClean="0"/>
               <a:t>谢谢</a:t>
             </a:r>
-            <a:endParaRPr kumimoji="1" lang="zh-CN" altLang="en-US" dirty="0"/>
+            <a:endParaRPr kumimoji="1" lang="zh-CN" altLang="en-US"/>
           </a:p>
         </p:txBody>
       </p:sp>
@@ -15394,10 +15581,159 @@
           <a:lstStyle/>
           <a:p>
             <a:r>
-              <a:rPr kumimoji="1" lang="zh-CN" altLang="en-US" dirty="0" smtClean="0"/>
+              <a:rPr kumimoji="1" lang="zh-CN" altLang="en-US" smtClean="0"/>
+              <a:t>目录</a:t>
+            </a:r>
+            <a:endParaRPr kumimoji="1" lang="zh-CN" altLang="en-US"/>
+          </a:p>
+        </p:txBody>
+      </p:sp>
+      <p:sp>
+        <p:nvSpPr>
+          <p:cNvPr id="3" name="内容占位符 2"/>
+          <p:cNvSpPr>
+            <a:spLocks noGrp="1"/>
+          </p:cNvSpPr>
+          <p:nvPr>
+            <p:ph idx="1"/>
+          </p:nvPr>
+        </p:nvSpPr>
+        <p:spPr/>
+        <p:txBody>
+          <a:bodyPr/>
+          <a:lstStyle/>
+          <a:p>
+            <a:pPr>
+              <a:lnSpc>
+                <a:spcPct val="150000"/>
+              </a:lnSpc>
+            </a:pPr>
+            <a:r>
+              <a:rPr kumimoji="1" lang="zh-CN" altLang="en-US" smtClean="0"/>
+              <a:t>项目背景</a:t>
+            </a:r>
+            <a:endParaRPr kumimoji="1" lang="en-US" altLang="zh-CN" dirty="0" smtClean="0"/>
+          </a:p>
+          <a:p>
+            <a:pPr>
+              <a:lnSpc>
+                <a:spcPct val="150000"/>
+              </a:lnSpc>
+            </a:pPr>
+            <a:r>
+              <a:rPr kumimoji="1" lang="zh-CN" altLang="en-US" smtClean="0"/>
+              <a:t>项目目标</a:t>
+            </a:r>
+            <a:endParaRPr kumimoji="1" lang="en-US" altLang="zh-CN" dirty="0" smtClean="0"/>
+          </a:p>
+          <a:p>
+            <a:pPr>
+              <a:lnSpc>
+                <a:spcPct val="150000"/>
+              </a:lnSpc>
+            </a:pPr>
+            <a:r>
+              <a:rPr kumimoji="1" lang="zh-CN" altLang="en-US" smtClean="0"/>
+              <a:t>技术难点</a:t>
+            </a:r>
+            <a:endParaRPr kumimoji="1" lang="en-US" altLang="zh-CN" dirty="0" smtClean="0"/>
+          </a:p>
+          <a:p>
+            <a:pPr>
+              <a:lnSpc>
+                <a:spcPct val="150000"/>
+              </a:lnSpc>
+            </a:pPr>
+            <a:r>
+              <a:rPr kumimoji="1" lang="zh-CN" altLang="en-US" smtClean="0"/>
+              <a:t>实现方案</a:t>
+            </a:r>
+            <a:endParaRPr kumimoji="1" lang="en-US" altLang="zh-CN" dirty="0" smtClean="0"/>
+          </a:p>
+          <a:p>
+            <a:pPr>
+              <a:lnSpc>
+                <a:spcPct val="150000"/>
+              </a:lnSpc>
+            </a:pPr>
+            <a:r>
+              <a:rPr kumimoji="1" lang="zh-CN" altLang="en-US" smtClean="0"/>
+              <a:t>效果</a:t>
+            </a:r>
+            <a:endParaRPr kumimoji="1" lang="en-US" altLang="zh-CN" dirty="0" smtClean="0"/>
+          </a:p>
+          <a:p>
+            <a:pPr>
+              <a:lnSpc>
+                <a:spcPct val="150000"/>
+              </a:lnSpc>
+            </a:pPr>
+            <a:r>
+              <a:rPr kumimoji="1" lang="zh-CN" altLang="en-US" smtClean="0"/>
+              <a:t>展望</a:t>
+            </a:r>
+            <a:endParaRPr kumimoji="1" lang="en-US" altLang="zh-CN" dirty="0" smtClean="0"/>
+          </a:p>
+          <a:p>
+            <a:pPr>
+              <a:lnSpc>
+                <a:spcPct val="150000"/>
+              </a:lnSpc>
+            </a:pPr>
+            <a:endParaRPr kumimoji="1" lang="zh-CN" altLang="en-US"/>
+          </a:p>
+        </p:txBody>
+      </p:sp>
+    </p:spTree>
+    <p:extLst>
+      <p:ext uri="{BB962C8B-B14F-4D97-AF65-F5344CB8AC3E}">
+        <p14:creationId xmlns:p14="http://schemas.microsoft.com/office/powerpoint/2010/main" val="1535536009"/>
+      </p:ext>
+    </p:extLst>
+  </p:cSld>
+  <p:clrMapOvr>
+    <a:masterClrMapping/>
+  </p:clrMapOvr>
+</p:sld>
+</file>
+
+<file path=ppt/slides/slide3.xml><?xml version="1.0" encoding="utf-8"?>
+<p:sld xmlns:a="http://schemas.openxmlformats.org/drawingml/2006/main" xmlns:r="http://schemas.openxmlformats.org/officeDocument/2006/relationships" xmlns:p="http://schemas.openxmlformats.org/presentationml/2006/main">
+  <p:cSld>
+    <p:spTree>
+      <p:nvGrpSpPr>
+        <p:cNvPr id="1" name=""/>
+        <p:cNvGrpSpPr/>
+        <p:nvPr/>
+      </p:nvGrpSpPr>
+      <p:grpSpPr>
+        <a:xfrm>
+          <a:off x="0" y="0"/>
+          <a:ext cx="0" cy="0"/>
+          <a:chOff x="0" y="0"/>
+          <a:chExt cx="0" cy="0"/>
+        </a:xfrm>
+      </p:grpSpPr>
+      <p:sp>
+        <p:nvSpPr>
+          <p:cNvPr id="2" name="标题 1"/>
+          <p:cNvSpPr>
+            <a:spLocks noGrp="1"/>
+          </p:cNvSpPr>
+          <p:nvPr>
+            <p:ph type="title"/>
+          </p:nvPr>
+        </p:nvSpPr>
+        <p:spPr/>
+        <p:txBody>
+          <a:bodyPr/>
+          <a:lstStyle/>
+          <a:p>
+            <a:r>
+              <a:rPr kumimoji="1" lang="zh-CN" altLang="en-US" smtClean="0"/>
               <a:t>背景</a:t>
             </a:r>
-            <a:endParaRPr kumimoji="1" lang="zh-CN" altLang="en-US" dirty="0"/>
+            <a:endParaRPr kumimoji="1" lang="zh-CN" altLang="en-US"/>
           </a:p>
         </p:txBody>
       </p:sp>
@@ -15429,15 +15765,15 @@
               </a:lnSpc>
             </a:pPr>
             <a:r>
-              <a:rPr kumimoji="1" lang="zh-CN" altLang="en-US" sz="1800" dirty="0" smtClean="0"/>
+              <a:rPr kumimoji="1" lang="zh-CN" altLang="en-US" sz="1800" smtClean="0"/>
               <a:t>初期问题：新设备</a:t>
             </a:r>
             <a:r>
-              <a:rPr kumimoji="1" lang="zh-CN" altLang="en-US" sz="1800" dirty="0" smtClean="0"/>
+              <a:rPr kumimoji="1" lang="zh-CN" altLang="en-US" sz="1800" smtClean="0"/>
               <a:t>鉴别、统计</a:t>
             </a:r>
             <a:r>
-              <a:rPr kumimoji="1" lang="zh-CN" altLang="en-US" sz="1800" dirty="0" smtClean="0"/>
+              <a:rPr kumimoji="1" lang="zh-CN" altLang="en-US" sz="1800" smtClean="0"/>
               <a:t>不准</a:t>
             </a:r>
             <a:endParaRPr kumimoji="1" lang="en-US" altLang="zh-CN" sz="1800" dirty="0" smtClean="0"/>
@@ -15449,7 +15785,7 @@
               </a:lnSpc>
             </a:pPr>
             <a:r>
-              <a:rPr kumimoji="1" lang="zh-CN" altLang="en-US" sz="1800" dirty="0" smtClean="0"/>
+              <a:rPr kumimoji="1" lang="zh-CN" altLang="en-US" sz="1800" smtClean="0"/>
               <a:t>羊毛党猖獗，初期刷单成本低，运营活动及优惠券被刷严重 （新人、免单）</a:t>
             </a:r>
             <a:endParaRPr kumimoji="1" lang="en-US" altLang="zh-CN" sz="1800" dirty="0" smtClean="0"/>
@@ -15461,7 +15797,7 @@
               </a:lnSpc>
             </a:pPr>
             <a:r>
-              <a:rPr kumimoji="1" lang="zh-CN" altLang="en-US" sz="1800" dirty="0" smtClean="0"/>
+              <a:rPr kumimoji="1" lang="zh-CN" altLang="en-US" sz="1800" smtClean="0"/>
               <a:t>装机量、日活等数据统计受影响</a:t>
             </a:r>
             <a:endParaRPr kumimoji="1" lang="en-US" altLang="zh-CN" sz="1800" dirty="0" smtClean="0"/>
@@ -15473,11 +15809,11 @@
               </a:lnSpc>
             </a:pPr>
             <a:r>
-              <a:rPr kumimoji="1" lang="zh-CN" altLang="en-US" sz="1800" dirty="0" smtClean="0"/>
+              <a:rPr kumimoji="1" lang="zh-CN" altLang="en-US" sz="1800" smtClean="0"/>
               <a:t>如果用第三方方案，无法确保数据及业务安全性</a:t>
             </a:r>
             <a:r>
-              <a:rPr kumimoji="1" lang="zh-CN" altLang="en-US" sz="1800" dirty="0" smtClean="0"/>
+              <a:rPr kumimoji="1" lang="zh-CN" altLang="en-US" sz="1800" smtClean="0"/>
               <a:t>，同时开支不菲（数盟、同盾）</a:t>
             </a:r>
             <a:endParaRPr kumimoji="1" lang="en-US" altLang="zh-CN" sz="1800" dirty="0" smtClean="0"/>
@@ -15506,7 +15842,7 @@
 </p:sld>
 </file>
 
-<file path=ppt/slides/slide3.xml><?xml version="1.0" encoding="utf-8"?>
+<file path=ppt/slides/slide4.xml><?xml version="1.0" encoding="utf-8"?>
 <p:sld xmlns:a="http://schemas.openxmlformats.org/drawingml/2006/main" xmlns:r="http://schemas.openxmlformats.org/officeDocument/2006/relationships" xmlns:p="http://schemas.openxmlformats.org/presentationml/2006/main">
   <p:cSld>
     <p:spTree>
@@ -15551,7 +15887,7 @@
               </a:lnSpc>
             </a:pPr>
             <a:r>
-              <a:rPr kumimoji="1" lang="zh-CN" altLang="en-US" dirty="0" smtClean="0"/>
+              <a:rPr kumimoji="1" lang="zh-CN" altLang="en-US" smtClean="0"/>
               <a:t>建立严选自己的可信</a:t>
             </a:r>
             <a:r>
@@ -15559,7 +15895,7 @@
               <a:t>ID</a:t>
             </a:r>
             <a:r>
-              <a:rPr kumimoji="1" lang="zh-CN" altLang="en-US" dirty="0" smtClean="0"/>
+              <a:rPr kumimoji="1" lang="zh-CN" altLang="en-US" smtClean="0"/>
               <a:t>平台（设备指纹）</a:t>
             </a:r>
             <a:endParaRPr kumimoji="1" lang="en-US" altLang="zh-CN" dirty="0" smtClean="0"/>
@@ -15571,7 +15907,7 @@
               </a:lnSpc>
             </a:pPr>
             <a:r>
-              <a:rPr kumimoji="1" lang="zh-CN" altLang="en-US" dirty="0"/>
+              <a:rPr kumimoji="1" lang="zh-CN" altLang="en-US"/>
               <a:t>基于可信</a:t>
             </a:r>
             <a:r>
@@ -15579,7 +15915,7 @@
               <a:t>ID</a:t>
             </a:r>
             <a:r>
-              <a:rPr kumimoji="1" lang="zh-CN" altLang="en-US" dirty="0"/>
+              <a:rPr kumimoji="1" lang="zh-CN" altLang="en-US"/>
               <a:t>，为风控提供有效支持：如根据新用户</a:t>
             </a:r>
             <a:r>
@@ -15587,7 +15923,7 @@
               <a:t>+</a:t>
             </a:r>
             <a:r>
-              <a:rPr kumimoji="1" lang="zh-CN" altLang="en-US" dirty="0"/>
+              <a:rPr kumimoji="1" lang="zh-CN" altLang="en-US"/>
               <a:t>新设备发新人券</a:t>
             </a:r>
             <a:endParaRPr kumimoji="1" lang="en-US" altLang="zh-CN" dirty="0"/>
@@ -15599,7 +15935,7 @@
               </a:lnSpc>
             </a:pPr>
             <a:r>
-              <a:rPr kumimoji="1" lang="zh-CN" altLang="en-US" dirty="0"/>
+              <a:rPr kumimoji="1" lang="zh-CN" altLang="en-US"/>
               <a:t>基于可信</a:t>
             </a:r>
             <a:r>
@@ -15607,7 +15943,7 @@
               <a:t>ID</a:t>
             </a:r>
             <a:r>
-              <a:rPr kumimoji="1" lang="zh-CN" altLang="en-US" dirty="0"/>
+              <a:rPr kumimoji="1" lang="zh-CN" altLang="en-US"/>
               <a:t>，更精确统计装机量、日活、月活设备，</a:t>
             </a:r>
             <a:endParaRPr kumimoji="1" lang="en-US" altLang="zh-CN" dirty="0"/>
@@ -15619,7 +15955,7 @@
               </a:lnSpc>
             </a:pPr>
             <a:r>
-              <a:rPr kumimoji="1" lang="zh-CN" altLang="en-US" dirty="0"/>
+              <a:rPr kumimoji="1" lang="zh-CN" altLang="en-US"/>
               <a:t>基于可信</a:t>
             </a:r>
             <a:r>
@@ -15627,7 +15963,7 @@
               <a:t>ID</a:t>
             </a:r>
             <a:r>
-              <a:rPr kumimoji="1" lang="zh-CN" altLang="en-US" dirty="0"/>
+              <a:rPr kumimoji="1" lang="zh-CN" altLang="en-US"/>
               <a:t>，保证数据准确、用户真实、辅助推广运营</a:t>
             </a:r>
             <a:endParaRPr kumimoji="1" lang="en-US" altLang="zh-CN" dirty="0"/>
@@ -15639,14 +15975,14 @@
               </a:lnSpc>
             </a:pPr>
             <a:r>
-              <a:rPr kumimoji="1" lang="zh-CN" altLang="en-US" dirty="0"/>
+              <a:rPr kumimoji="1" lang="zh-CN" altLang="en-US"/>
               <a:t>累积，并不断完善该平台，</a:t>
             </a:r>
             <a:r>
-              <a:rPr kumimoji="1" lang="zh-CN" altLang="en-US" dirty="0" smtClean="0"/>
+              <a:rPr kumimoji="1" lang="zh-CN" altLang="en-US" smtClean="0"/>
               <a:t>优化</a:t>
             </a:r>
-            <a:endParaRPr kumimoji="1" lang="zh-CN" altLang="en-US" dirty="0"/>
+            <a:endParaRPr kumimoji="1" lang="zh-CN" altLang="en-US"/>
           </a:p>
         </p:txBody>
       </p:sp>
@@ -15692,7 +16028,7 @@
           </a:lstStyle>
           <a:p>
             <a:r>
-              <a:rPr kumimoji="1" lang="zh-CN" altLang="en-US" sz="3600" dirty="0">
+              <a:rPr kumimoji="1" lang="zh-CN" altLang="en-US" sz="3600">
                 <a:solidFill>
                   <a:schemeClr val="bg2"/>
                 </a:solidFill>
@@ -15700,14 +16036,14 @@
               <a:t>目</a:t>
             </a:r>
             <a:r>
-              <a:rPr kumimoji="1" lang="zh-CN" altLang="en-US" sz="3600" dirty="0">
+              <a:rPr kumimoji="1" lang="zh-CN" altLang="en-US" sz="3600">
                 <a:solidFill>
                   <a:schemeClr val="bg2"/>
                 </a:solidFill>
               </a:rPr>
               <a:t>标</a:t>
             </a:r>
-            <a:endParaRPr kumimoji="1" lang="zh-CN" altLang="en-US" sz="3600" dirty="0">
+            <a:endParaRPr kumimoji="1" lang="zh-CN" altLang="en-US" sz="3600">
               <a:solidFill>
                 <a:schemeClr val="bg2"/>
               </a:solidFill>
@@ -15725,10 +16061,17 @@
   <p:clrMapOvr>
     <a:masterClrMapping/>
   </p:clrMapOvr>
+  <p:timing>
+    <p:tnLst>
+      <p:par>
+        <p:cTn id="1" dur="indefinite" restart="never" nodeType="tmRoot"/>
+      </p:par>
+    </p:tnLst>
+  </p:timing>
 </p:sld>
 </file>
 
-<file path=ppt/slides/slide4.xml><?xml version="1.0" encoding="utf-8"?>
+<file path=ppt/slides/slide5.xml><?xml version="1.0" encoding="utf-8"?>
 <p:sld xmlns:a="http://schemas.openxmlformats.org/drawingml/2006/main" xmlns:r="http://schemas.openxmlformats.org/officeDocument/2006/relationships" xmlns:p="http://schemas.openxmlformats.org/presentationml/2006/main">
   <p:cSld>
     <p:spTree>
@@ -15766,10 +16109,10 @@
           <a:lstStyle/>
           <a:p>
             <a:r>
-              <a:rPr kumimoji="1" lang="zh-CN" altLang="en-US" dirty="0" smtClean="0"/>
+              <a:rPr kumimoji="1" lang="zh-CN" altLang="en-US" smtClean="0"/>
               <a:t>难点</a:t>
             </a:r>
-            <a:endParaRPr kumimoji="1" lang="zh-CN" altLang="en-US" dirty="0"/>
+            <a:endParaRPr kumimoji="1" lang="zh-CN" altLang="en-US"/>
           </a:p>
         </p:txBody>
       </p:sp>
@@ -15883,167 +16226,13 @@
   <p:clrMapOvr>
     <a:masterClrMapping/>
   </p:clrMapOvr>
-</p:sld>
-</file>
-
-<file path=ppt/slides/slide5.xml><?xml version="1.0" encoding="utf-8"?>
-<p:sld xmlns:a="http://schemas.openxmlformats.org/drawingml/2006/main" xmlns:r="http://schemas.openxmlformats.org/officeDocument/2006/relationships" xmlns:p="http://schemas.openxmlformats.org/presentationml/2006/main">
-  <p:cSld>
-    <p:spTree>
-      <p:nvGrpSpPr>
-        <p:cNvPr id="1" name=""/>
-        <p:cNvGrpSpPr/>
-        <p:nvPr/>
-      </p:nvGrpSpPr>
-      <p:grpSpPr>
-        <a:xfrm>
-          <a:off x="0" y="0"/>
-          <a:ext cx="0" cy="0"/>
-          <a:chOff x="0" y="0"/>
-          <a:chExt cx="0" cy="0"/>
-        </a:xfrm>
-      </p:grpSpPr>
-      <p:sp>
-        <p:nvSpPr>
-          <p:cNvPr id="2" name="标题 1"/>
-          <p:cNvSpPr>
-            <a:spLocks noGrp="1"/>
-          </p:cNvSpPr>
-          <p:nvPr>
-            <p:ph type="title"/>
-          </p:nvPr>
-        </p:nvSpPr>
-        <p:spPr/>
-        <p:txBody>
-          <a:bodyPr/>
-          <a:lstStyle/>
-          <a:p>
-            <a:r>
-              <a:rPr kumimoji="1" lang="en-US" altLang="zh-CN" dirty="0" smtClean="0"/>
-              <a:t>Android</a:t>
-            </a:r>
-            <a:r>
-              <a:rPr kumimoji="1" lang="zh-CN" altLang="en-US" dirty="0" smtClean="0"/>
-              <a:t>设备</a:t>
-            </a:r>
-            <a:r>
-              <a:rPr kumimoji="1" lang="zh-CN" altLang="en-US" dirty="0" smtClean="0"/>
-              <a:t>指纹信息统计</a:t>
-            </a:r>
-            <a:endParaRPr kumimoji="1" lang="zh-CN" altLang="en-US" dirty="0"/>
-          </a:p>
-        </p:txBody>
-      </p:sp>
-      <p:sp>
-        <p:nvSpPr>
-          <p:cNvPr id="3" name="内容占位符 2"/>
-          <p:cNvSpPr>
-            <a:spLocks noGrp="1"/>
-          </p:cNvSpPr>
-          <p:nvPr>
-            <p:ph idx="1"/>
-          </p:nvPr>
-        </p:nvSpPr>
-        <p:spPr/>
-        <p:txBody>
-          <a:bodyPr/>
-          <a:lstStyle/>
-          <a:p>
-            <a:pPr>
-              <a:lnSpc>
-                <a:spcPct val="150000"/>
-              </a:lnSpc>
-            </a:pPr>
-            <a:r>
-              <a:rPr kumimoji="1" lang="en-US" altLang="zh-CN" dirty="0" smtClean="0"/>
-              <a:t>IMEI</a:t>
-            </a:r>
-            <a:r>
-              <a:rPr kumimoji="1" lang="zh-CN" altLang="en-US" dirty="0"/>
-              <a:t>、</a:t>
-            </a:r>
-            <a:r>
-              <a:rPr kumimoji="1" lang="en-US" altLang="zh-CN" dirty="0" smtClean="0"/>
-              <a:t>IMSI</a:t>
-            </a:r>
-            <a:r>
-              <a:rPr kumimoji="1" lang="zh-CN" altLang="en-US" dirty="0" smtClean="0"/>
-              <a:t>（非常容易篡改）</a:t>
-            </a:r>
-            <a:endParaRPr kumimoji="1" lang="en-US" altLang="zh-CN" dirty="0" smtClean="0"/>
-          </a:p>
-          <a:p>
-            <a:pPr>
-              <a:lnSpc>
-                <a:spcPct val="150000"/>
-              </a:lnSpc>
-            </a:pPr>
-            <a:r>
-              <a:rPr kumimoji="1" lang="en-US" altLang="zh-CN" dirty="0" smtClean="0"/>
-              <a:t>Android</a:t>
-            </a:r>
-            <a:r>
-              <a:rPr kumimoji="1" lang="zh-CN" altLang="en-US" dirty="0" smtClean="0"/>
-              <a:t>序列号 </a:t>
-            </a:r>
-            <a:endParaRPr kumimoji="1" lang="en-US" altLang="zh-CN" dirty="0" smtClean="0"/>
-          </a:p>
-          <a:p>
-            <a:pPr>
-              <a:lnSpc>
-                <a:spcPct val="150000"/>
-              </a:lnSpc>
-            </a:pPr>
-            <a:r>
-              <a:rPr kumimoji="1" lang="en-US" altLang="zh-CN" dirty="0" err="1" smtClean="0"/>
-              <a:t>AndroidID</a:t>
-            </a:r>
-            <a:endParaRPr kumimoji="1" lang="en-US" altLang="zh-CN" dirty="0" smtClean="0"/>
-          </a:p>
-          <a:p>
-            <a:pPr>
-              <a:lnSpc>
-                <a:spcPct val="150000"/>
-              </a:lnSpc>
-            </a:pPr>
-            <a:r>
-              <a:rPr kumimoji="1" lang="en-US" altLang="zh-CN" dirty="0" smtClean="0"/>
-              <a:t>MAC</a:t>
-            </a:r>
-            <a:r>
-              <a:rPr kumimoji="1" lang="zh-CN" altLang="en-US" dirty="0" smtClean="0"/>
-              <a:t>地址</a:t>
-            </a:r>
-            <a:endParaRPr kumimoji="1" lang="en-US" altLang="zh-CN" dirty="0" smtClean="0"/>
-          </a:p>
-          <a:p>
-            <a:pPr>
-              <a:lnSpc>
-                <a:spcPct val="150000"/>
-              </a:lnSpc>
-            </a:pPr>
-            <a:r>
-              <a:rPr kumimoji="1" lang="en-US" altLang="zh-CN" dirty="0" smtClean="0"/>
-              <a:t>Android</a:t>
-            </a:r>
-            <a:r>
-              <a:rPr kumimoji="1" lang="zh-CN" altLang="en-US" dirty="0" smtClean="0"/>
-              <a:t>其他厂商、设备型号、内存等信息</a:t>
-            </a:r>
-            <a:endParaRPr kumimoji="1" lang="zh-CN" altLang="en-US" dirty="0"/>
-          </a:p>
-        </p:txBody>
-      </p:sp>
-    </p:spTree>
-    <p:extLst>
-      <p:ext uri="{BB962C8B-B14F-4D97-AF65-F5344CB8AC3E}">
-        <p14:creationId xmlns:p14="http://schemas.microsoft.com/office/powerpoint/2010/main" val="1092137288"/>
-      </p:ext>
-    </p:extLst>
-  </p:cSld>
-  <p:clrMapOvr>
-    <a:masterClrMapping/>
-  </p:clrMapOvr>
+  <p:timing>
+    <p:tnLst>
+      <p:par>
+        <p:cTn id="1" dur="indefinite" restart="never" nodeType="tmRoot"/>
+      </p:par>
+    </p:tnLst>
+  </p:timing>
 </p:sld>
 </file>
 
@@ -16080,14 +16269,18 @@
           <a:lstStyle/>
           <a:p>
             <a:r>
-              <a:rPr kumimoji="1" lang="en-US" altLang="zh-CN" dirty="0" smtClean="0"/>
+              <a:rPr kumimoji="1" lang="en-US" altLang="zh-CN" smtClean="0"/>
               <a:t>Android</a:t>
             </a:r>
             <a:r>
-              <a:rPr kumimoji="1" lang="zh-CN" altLang="en-US" dirty="0" smtClean="0"/>
-              <a:t>模拟器检测</a:t>
-            </a:r>
-            <a:endParaRPr kumimoji="1" lang="zh-CN" altLang="en-US" dirty="0"/>
+              <a:rPr kumimoji="1" lang="zh-CN" altLang="en-US" smtClean="0"/>
+              <a:t>设备</a:t>
+            </a:r>
+            <a:r>
+              <a:rPr kumimoji="1" lang="zh-CN" altLang="en-US" smtClean="0"/>
+              <a:t>指纹信息统计</a:t>
+            </a:r>
+            <a:endParaRPr kumimoji="1" lang="zh-CN" altLang="en-US"/>
           </a:p>
         </p:txBody>
       </p:sp>
@@ -16103,138 +16296,111 @@
         </p:nvSpPr>
         <p:spPr/>
         <p:txBody>
-          <a:bodyPr>
-            <a:normAutofit/>
-          </a:bodyPr>
+          <a:bodyPr/>
           <a:lstStyle/>
           <a:p>
             <a:pPr>
               <a:lnSpc>
-                <a:spcPct val="200000"/>
+                <a:spcPct val="150000"/>
               </a:lnSpc>
             </a:pPr>
             <a:r>
-              <a:rPr kumimoji="1" lang="en-US" altLang="zh-CN" dirty="0" smtClean="0"/>
+              <a:rPr kumimoji="1" lang="en-US" altLang="zh-CN" smtClean="0"/>
               <a:t>IMEI</a:t>
             </a:r>
             <a:r>
-              <a:rPr kumimoji="1" lang="zh-CN" altLang="en-US" dirty="0" smtClean="0"/>
+              <a:rPr kumimoji="1" lang="zh-CN" altLang="en-US"/>
               <a:t>、</a:t>
             </a:r>
             <a:r>
-              <a:rPr kumimoji="1" lang="en-US" altLang="zh-CN" dirty="0" smtClean="0"/>
-              <a:t>QEMU</a:t>
-            </a:r>
-            <a:r>
-              <a:rPr kumimoji="1" lang="zh-CN" altLang="en-US" dirty="0" smtClean="0"/>
-              <a:t>等一些特征信息（不太准，除非源码中的，基本已弃用）</a:t>
-            </a:r>
-            <a:endParaRPr kumimoji="1" lang="en-US" altLang="zh-CN" dirty="0" smtClean="0"/>
+              <a:rPr kumimoji="1" lang="en-US" altLang="zh-CN" smtClean="0"/>
+              <a:t>IMSI</a:t>
+            </a:r>
+            <a:r>
+              <a:rPr kumimoji="1" lang="zh-CN" altLang="en-US" smtClean="0"/>
+              <a:t>（非常容易篡改）</a:t>
+            </a:r>
+            <a:endParaRPr kumimoji="1" lang="en-US" altLang="zh-CN" smtClean="0"/>
           </a:p>
           <a:p>
             <a:pPr>
               <a:lnSpc>
-                <a:spcPct val="200000"/>
+                <a:spcPct val="150000"/>
               </a:lnSpc>
             </a:pPr>
             <a:r>
-              <a:rPr kumimoji="1" lang="zh-CN" altLang="en-US" dirty="0" smtClean="0"/>
-              <a:t>获取</a:t>
-            </a:r>
-            <a:r>
-              <a:rPr kumimoji="1" lang="en-US" altLang="zh-CN" dirty="0" smtClean="0"/>
-              <a:t>CPU</a:t>
-            </a:r>
-            <a:r>
-              <a:rPr kumimoji="1" lang="zh-CN" altLang="en-US" dirty="0" smtClean="0"/>
-              <a:t> </a:t>
-            </a:r>
-            <a:r>
-              <a:rPr kumimoji="1" lang="en-US" altLang="zh-CN" dirty="0" smtClean="0"/>
-              <a:t>INFO</a:t>
-            </a:r>
-            <a:r>
-              <a:rPr kumimoji="1" lang="zh-CN" altLang="en-US" dirty="0" smtClean="0"/>
-              <a:t> （放弃</a:t>
-            </a:r>
-            <a:r>
-              <a:rPr kumimoji="1" lang="en-US" altLang="zh-CN" dirty="0" smtClean="0"/>
-              <a:t>x86</a:t>
-            </a:r>
-            <a:r>
-              <a:rPr kumimoji="1" lang="zh-CN" altLang="en-US" dirty="0" smtClean="0"/>
-              <a:t>版本）</a:t>
-            </a:r>
-            <a:endParaRPr kumimoji="1" lang="en-US" altLang="zh-CN" dirty="0" smtClean="0"/>
+              <a:rPr kumimoji="1" lang="en-US" altLang="zh-CN" smtClean="0"/>
+              <a:t>Android</a:t>
+            </a:r>
+            <a:r>
+              <a:rPr kumimoji="1" lang="zh-CN" altLang="en-US" smtClean="0"/>
+              <a:t>序列号 </a:t>
+            </a:r>
+            <a:endParaRPr kumimoji="1" lang="en-US" altLang="zh-CN" smtClean="0"/>
           </a:p>
           <a:p>
             <a:pPr>
               <a:lnSpc>
-                <a:spcPct val="200000"/>
+                <a:spcPct val="150000"/>
               </a:lnSpc>
             </a:pPr>
             <a:r>
-              <a:rPr kumimoji="1" lang="en-US" altLang="zh-CN" dirty="0" smtClean="0"/>
-              <a:t>ARM</a:t>
-            </a:r>
-            <a:r>
-              <a:rPr kumimoji="1" lang="zh-CN" altLang="en-US" dirty="0" smtClean="0"/>
-              <a:t>架构跟模拟器的</a:t>
-            </a:r>
-            <a:r>
-              <a:rPr kumimoji="1" lang="en-US" altLang="zh-CN" dirty="0" smtClean="0"/>
-              <a:t>Simple</a:t>
-            </a:r>
-            <a:r>
-              <a:rPr kumimoji="1" lang="zh-CN" altLang="en-US" dirty="0" smtClean="0"/>
-              <a:t> </a:t>
-            </a:r>
-            <a:r>
-              <a:rPr kumimoji="1" lang="en-US" altLang="zh-CN" dirty="0" smtClean="0"/>
-              <a:t>X86</a:t>
-            </a:r>
-            <a:r>
-              <a:rPr kumimoji="1" lang="zh-CN" altLang="en-US" dirty="0" smtClean="0"/>
-              <a:t>架构的区别（内存检测方案 </a:t>
-            </a:r>
-            <a:r>
-              <a:rPr kumimoji="1" lang="en-US" altLang="zh-CN" dirty="0" smtClean="0"/>
-              <a:t>SMC-Self</a:t>
-            </a:r>
-            <a:r>
-              <a:rPr kumimoji="1" lang="zh-CN" altLang="en-US" dirty="0" smtClean="0"/>
-              <a:t> </a:t>
-            </a:r>
-            <a:r>
-              <a:rPr kumimoji="1" lang="en-US" altLang="zh-CN" dirty="0" smtClean="0"/>
-              <a:t>modifying</a:t>
-            </a:r>
-            <a:r>
-              <a:rPr kumimoji="1" lang="zh-CN" altLang="en-US" dirty="0" smtClean="0"/>
-              <a:t> </a:t>
-            </a:r>
-            <a:r>
-              <a:rPr kumimoji="1" lang="en-US" altLang="zh-CN" dirty="0" smtClean="0"/>
-              <a:t>code</a:t>
-            </a:r>
-            <a:r>
-              <a:rPr kumimoji="1" lang="zh-CN" altLang="en-US" dirty="0" smtClean="0"/>
-              <a:t>）</a:t>
-            </a:r>
-            <a:endParaRPr kumimoji="1" lang="zh-CN" altLang="en-US" dirty="0"/>
+              <a:rPr kumimoji="1" lang="en-US" altLang="zh-CN" err="1" smtClean="0"/>
+              <a:t>AndroidID</a:t>
+            </a:r>
+            <a:endParaRPr kumimoji="1" lang="en-US" altLang="zh-CN" smtClean="0"/>
+          </a:p>
+          <a:p>
+            <a:pPr>
+              <a:lnSpc>
+                <a:spcPct val="150000"/>
+              </a:lnSpc>
+            </a:pPr>
+            <a:r>
+              <a:rPr kumimoji="1" lang="en-US" altLang="zh-CN" smtClean="0"/>
+              <a:t>MAC</a:t>
+            </a:r>
+            <a:r>
+              <a:rPr kumimoji="1" lang="zh-CN" altLang="en-US" smtClean="0"/>
+              <a:t>地址</a:t>
+            </a:r>
+            <a:endParaRPr kumimoji="1" lang="en-US" altLang="zh-CN" smtClean="0"/>
+          </a:p>
+          <a:p>
+            <a:pPr>
+              <a:lnSpc>
+                <a:spcPct val="150000"/>
+              </a:lnSpc>
+            </a:pPr>
+            <a:r>
+              <a:rPr kumimoji="1" lang="en-US" altLang="zh-CN" smtClean="0"/>
+              <a:t>Android</a:t>
+            </a:r>
+            <a:r>
+              <a:rPr kumimoji="1" lang="zh-CN" altLang="en-US" smtClean="0"/>
+              <a:t>其他厂商、设备型号、内存等信息</a:t>
+            </a:r>
+            <a:endParaRPr kumimoji="1" lang="zh-CN" altLang="en-US"/>
           </a:p>
         </p:txBody>
       </p:sp>
     </p:spTree>
     <p:extLst>
       <p:ext uri="{BB962C8B-B14F-4D97-AF65-F5344CB8AC3E}">
-        <p14:creationId xmlns:p14="http://schemas.microsoft.com/office/powerpoint/2010/main" val="1867281453"/>
+        <p14:creationId xmlns:p14="http://schemas.microsoft.com/office/powerpoint/2010/main" val="1092137288"/>
       </p:ext>
     </p:extLst>
   </p:cSld>
   <p:clrMapOvr>
     <a:masterClrMapping/>
   </p:clrMapOvr>
+  <p:timing>
+    <p:tnLst>
+      <p:par>
+        <p:cTn id="1" dur="indefinite" restart="never" nodeType="tmRoot"/>
+      </p:par>
+    </p:tnLst>
+  </p:timing>
 </p:sld>
 </file>
 
@@ -16271,18 +16437,14 @@
           <a:lstStyle/>
           <a:p>
             <a:r>
-              <a:rPr kumimoji="1" lang="en-US" altLang="zh-CN" dirty="0" smtClean="0"/>
+              <a:rPr kumimoji="1" lang="en-US" altLang="zh-CN" smtClean="0"/>
               <a:t>Android</a:t>
             </a:r>
             <a:r>
-              <a:rPr kumimoji="1" lang="zh-CN" altLang="en-US" dirty="0" smtClean="0"/>
-              <a:t>其他</a:t>
-            </a:r>
-            <a:r>
-              <a:rPr kumimoji="1" lang="zh-CN" altLang="en-US" dirty="0" smtClean="0"/>
-              <a:t>附件风控信息</a:t>
-            </a:r>
-            <a:endParaRPr kumimoji="1" lang="zh-CN" altLang="en-US" dirty="0"/>
+              <a:rPr kumimoji="1" lang="zh-CN" altLang="en-US" smtClean="0"/>
+              <a:t>模拟器检测</a:t>
+            </a:r>
+            <a:endParaRPr kumimoji="1" lang="zh-CN" altLang="en-US"/>
           </a:p>
         </p:txBody>
       </p:sp>
@@ -16305,131 +16467,138 @@
           <a:p>
             <a:pPr>
               <a:lnSpc>
-                <a:spcPct val="150000"/>
+                <a:spcPct val="200000"/>
               </a:lnSpc>
             </a:pPr>
             <a:r>
-              <a:rPr kumimoji="1" lang="zh-CN" altLang="en-US" dirty="0" smtClean="0">
-                <a:solidFill>
-                  <a:srgbClr val="FF0000"/>
-                </a:solidFill>
-              </a:rPr>
-              <a:t>硬件信息（如将来平台设备完善，手机型号跟硬件信息的匹配也算重要指标）</a:t>
-            </a:r>
-            <a:endParaRPr kumimoji="1" lang="en-US" altLang="zh-CN" dirty="0" smtClean="0">
-              <a:solidFill>
-                <a:srgbClr val="FF0000"/>
-              </a:solidFill>
-            </a:endParaRPr>
+              <a:rPr kumimoji="1" lang="en-US" altLang="zh-CN" smtClean="0"/>
+              <a:t>IMEI</a:t>
+            </a:r>
+            <a:r>
+              <a:rPr kumimoji="1" lang="zh-CN" altLang="en-US" smtClean="0"/>
+              <a:t>、</a:t>
+            </a:r>
+            <a:r>
+              <a:rPr kumimoji="1" lang="en-US" altLang="zh-CN" smtClean="0"/>
+              <a:t>QEMU</a:t>
+            </a:r>
+            <a:r>
+              <a:rPr kumimoji="1" lang="zh-CN" altLang="en-US" smtClean="0"/>
+              <a:t>等一些特征信息（不太准，除非源码中的，基本已弃用）</a:t>
+            </a:r>
+            <a:endParaRPr kumimoji="1" lang="en-US" altLang="zh-CN" smtClean="0"/>
           </a:p>
           <a:p>
             <a:pPr>
               <a:lnSpc>
-                <a:spcPct val="150000"/>
+                <a:spcPct val="200000"/>
               </a:lnSpc>
             </a:pPr>
             <a:r>
-              <a:rPr kumimoji="1" lang="zh-CN" altLang="en-US" dirty="0" smtClean="0"/>
-              <a:t>定位信息</a:t>
-            </a:r>
-            <a:endParaRPr kumimoji="1" lang="en-US" altLang="zh-CN" dirty="0" smtClean="0"/>
+              <a:rPr kumimoji="1" lang="zh-CN" altLang="en-US" smtClean="0"/>
+              <a:t>获取</a:t>
+            </a:r>
+            <a:r>
+              <a:rPr kumimoji="1" lang="en-US" altLang="zh-CN" smtClean="0"/>
+              <a:t>CPU</a:t>
+            </a:r>
+            <a:r>
+              <a:rPr kumimoji="1" lang="zh-CN" altLang="en-US" smtClean="0"/>
+              <a:t> </a:t>
+            </a:r>
+            <a:r>
+              <a:rPr kumimoji="1" lang="en-US" altLang="zh-CN" smtClean="0"/>
+              <a:t>INFO</a:t>
+            </a:r>
+            <a:r>
+              <a:rPr kumimoji="1" lang="zh-CN" altLang="en-US" smtClean="0"/>
+              <a:t> （放弃</a:t>
+            </a:r>
+            <a:r>
+              <a:rPr kumimoji="1" lang="en-US" altLang="zh-CN" smtClean="0"/>
+              <a:t>x86</a:t>
+            </a:r>
+            <a:r>
+              <a:rPr kumimoji="1" lang="zh-CN" altLang="en-US" smtClean="0"/>
+              <a:t>版本）</a:t>
+            </a:r>
+            <a:endParaRPr kumimoji="1" lang="en-US" altLang="zh-CN" smtClean="0"/>
           </a:p>
           <a:p>
             <a:pPr>
               <a:lnSpc>
-                <a:spcPct val="150000"/>
+                <a:spcPct val="200000"/>
               </a:lnSpc>
             </a:pPr>
             <a:r>
-              <a:rPr kumimoji="1" lang="en-US" altLang="zh-CN" dirty="0" err="1" smtClean="0"/>
-              <a:t>WIfiMAC</a:t>
-            </a:r>
-            <a:r>
-              <a:rPr kumimoji="1" lang="zh-CN" altLang="en-US" dirty="0" smtClean="0"/>
-              <a:t>（路由器信息）</a:t>
-            </a:r>
-            <a:endParaRPr kumimoji="1" lang="en-US" altLang="zh-CN" dirty="0" smtClean="0"/>
-          </a:p>
-          <a:p>
-            <a:pPr>
-              <a:lnSpc>
-                <a:spcPct val="150000"/>
-              </a:lnSpc>
-            </a:pPr>
-            <a:r>
-              <a:rPr kumimoji="1" lang="en-US" altLang="zh-CN" dirty="0" err="1" smtClean="0"/>
-              <a:t>Xposed</a:t>
-            </a:r>
-            <a:r>
-              <a:rPr kumimoji="1" lang="zh-CN" altLang="en-US" dirty="0" smtClean="0"/>
-              <a:t>及</a:t>
-            </a:r>
-            <a:r>
-              <a:rPr lang="en-US" altLang="zh-CN" dirty="0" smtClean="0"/>
-              <a:t>Substrate</a:t>
-            </a:r>
-            <a:r>
-              <a:rPr lang="zh-CN" altLang="en-US" dirty="0" smtClean="0"/>
-              <a:t>检测（危险设备</a:t>
-            </a:r>
-            <a:r>
-              <a:rPr lang="zh-CN" altLang="en-US" dirty="0" smtClean="0"/>
-              <a:t>）、是否</a:t>
-            </a:r>
-            <a:r>
-              <a:rPr lang="en-US" altLang="zh-CN" dirty="0" smtClean="0"/>
-              <a:t>root</a:t>
-            </a:r>
-            <a:endParaRPr lang="en-US" altLang="zh-CN" dirty="0" smtClean="0"/>
-          </a:p>
-          <a:p>
-            <a:pPr>
-              <a:lnSpc>
-                <a:spcPct val="150000"/>
-              </a:lnSpc>
-            </a:pPr>
-            <a:r>
-              <a:rPr kumimoji="1" lang="zh-CN" altLang="en-US" dirty="0" smtClean="0"/>
-              <a:t>是否安装微信、微博、支付宝、</a:t>
-            </a:r>
-            <a:r>
-              <a:rPr kumimoji="1" lang="en-US" altLang="zh-CN" dirty="0" smtClean="0"/>
-              <a:t>QQ</a:t>
-            </a:r>
-            <a:r>
-              <a:rPr kumimoji="1" lang="zh-CN" altLang="en-US" dirty="0" smtClean="0"/>
-              <a:t>等软件</a:t>
-            </a:r>
-            <a:endParaRPr kumimoji="1" lang="en-US" altLang="zh-CN" dirty="0" smtClean="0"/>
-          </a:p>
-          <a:p>
-            <a:pPr>
-              <a:lnSpc>
-                <a:spcPct val="150000"/>
-              </a:lnSpc>
-            </a:pPr>
-            <a:endParaRPr kumimoji="1" lang="en-US" altLang="zh-CN" dirty="0" smtClean="0"/>
-          </a:p>
-          <a:p>
-            <a:pPr>
-              <a:lnSpc>
-                <a:spcPct val="150000"/>
-              </a:lnSpc>
-            </a:pPr>
-            <a:endParaRPr kumimoji="1" lang="en-US" altLang="zh-CN" dirty="0" smtClean="0"/>
+              <a:rPr kumimoji="1" lang="en-US" altLang="zh-CN" smtClean="0"/>
+              <a:t>ARM</a:t>
+            </a:r>
+            <a:r>
+              <a:rPr kumimoji="1" lang="zh-CN" altLang="en-US" smtClean="0"/>
+              <a:t>架构跟模拟器的</a:t>
+            </a:r>
+            <a:r>
+              <a:rPr kumimoji="1" lang="en-US" altLang="zh-CN" smtClean="0"/>
+              <a:t>Simple</a:t>
+            </a:r>
+            <a:r>
+              <a:rPr kumimoji="1" lang="zh-CN" altLang="en-US" smtClean="0"/>
+              <a:t> </a:t>
+            </a:r>
+            <a:r>
+              <a:rPr kumimoji="1" lang="en-US" altLang="zh-CN" smtClean="0"/>
+              <a:t>X86</a:t>
+            </a:r>
+            <a:r>
+              <a:rPr kumimoji="1" lang="zh-CN" altLang="en-US" smtClean="0"/>
+              <a:t>架构的区别（内存检测方案 </a:t>
+            </a:r>
+            <a:r>
+              <a:rPr kumimoji="1" lang="en-US" altLang="zh-CN" smtClean="0"/>
+              <a:t>SMC-Self</a:t>
+            </a:r>
+            <a:r>
+              <a:rPr kumimoji="1" lang="zh-CN" altLang="en-US" smtClean="0"/>
+              <a:t> </a:t>
+            </a:r>
+            <a:r>
+              <a:rPr kumimoji="1" lang="en-US" altLang="zh-CN" smtClean="0"/>
+              <a:t>modifying</a:t>
+            </a:r>
+            <a:r>
+              <a:rPr kumimoji="1" lang="zh-CN" altLang="en-US" smtClean="0"/>
+              <a:t> </a:t>
+            </a:r>
+            <a:r>
+              <a:rPr kumimoji="1" lang="en-US" altLang="zh-CN" smtClean="0"/>
+              <a:t>code</a:t>
+            </a:r>
+            <a:r>
+              <a:rPr kumimoji="1" lang="zh-CN" altLang="en-US" smtClean="0"/>
+              <a:t>）</a:t>
+            </a:r>
+            <a:endParaRPr kumimoji="1" lang="zh-CN" altLang="en-US"/>
           </a:p>
         </p:txBody>
       </p:sp>
     </p:spTree>
     <p:extLst>
       <p:ext uri="{BB962C8B-B14F-4D97-AF65-F5344CB8AC3E}">
-        <p14:creationId xmlns:p14="http://schemas.microsoft.com/office/powerpoint/2010/main" val="1443059333"/>
+        <p14:creationId xmlns:p14="http://schemas.microsoft.com/office/powerpoint/2010/main" val="1867281453"/>
       </p:ext>
     </p:extLst>
   </p:cSld>
   <p:clrMapOvr>
     <a:masterClrMapping/>
   </p:clrMapOvr>
+  <p:timing>
+    <p:tnLst>
+      <p:par>
+        <p:cTn id="1" dur="indefinite" restart="never" nodeType="tmRoot"/>
+      </p:par>
+    </p:tnLst>
+  </p:timing>
 </p:sld>
 </file>
 
@@ -16466,17 +16635,18 @@
           <a:lstStyle/>
           <a:p>
             <a:r>
-              <a:rPr lang="en-US" altLang="zh-CN" dirty="0"/>
-              <a:t>iOS</a:t>
-            </a:r>
-            <a:r>
-              <a:rPr lang="zh-CN" altLang="en-US" dirty="0" smtClean="0"/>
-              <a:t>设备</a:t>
-            </a:r>
-            <a:r>
-              <a:rPr kumimoji="1" lang="zh-CN" altLang="en-US" dirty="0"/>
-              <a:t>指纹信息统计</a:t>
-            </a:r>
+              <a:rPr kumimoji="1" lang="en-US" altLang="zh-CN" smtClean="0"/>
+              <a:t>Android</a:t>
+            </a:r>
+            <a:r>
+              <a:rPr kumimoji="1" lang="zh-CN" altLang="en-US" smtClean="0"/>
+              <a:t>其他</a:t>
+            </a:r>
+            <a:r>
+              <a:rPr kumimoji="1" lang="zh-CN" altLang="en-US" smtClean="0"/>
+              <a:t>附件风控信息</a:t>
+            </a:r>
+            <a:endParaRPr kumimoji="1" lang="zh-CN" altLang="en-US"/>
           </a:p>
         </p:txBody>
       </p:sp>
@@ -16492,131 +16662,145 @@
         </p:nvSpPr>
         <p:spPr/>
         <p:txBody>
-          <a:bodyPr/>
+          <a:bodyPr>
+            <a:normAutofit/>
+          </a:bodyPr>
           <a:lstStyle/>
           <a:p>
             <a:pPr>
               <a:lnSpc>
-                <a:spcPct val="140000"/>
+                <a:spcPct val="150000"/>
               </a:lnSpc>
             </a:pPr>
             <a:r>
-              <a:rPr lang="zh-CN" altLang="en-US" dirty="0"/>
-              <a:t>获取检测是否模拟器</a:t>
-            </a:r>
+              <a:rPr kumimoji="1" lang="zh-CN" altLang="en-US" smtClean="0">
+                <a:solidFill>
+                  <a:srgbClr val="FF0000"/>
+                </a:solidFill>
+              </a:rPr>
+              <a:t>硬件信息（如将来平台设备完善，手机型号跟硬件信息的匹配也算重要指标）</a:t>
+            </a:r>
+            <a:endParaRPr kumimoji="1" lang="en-US" altLang="zh-CN" smtClean="0">
+              <a:solidFill>
+                <a:srgbClr val="FF0000"/>
+              </a:solidFill>
+            </a:endParaRPr>
           </a:p>
           <a:p>
             <a:pPr>
               <a:lnSpc>
-                <a:spcPct val="140000"/>
+                <a:spcPct val="150000"/>
               </a:lnSpc>
             </a:pPr>
             <a:r>
-              <a:rPr lang="zh-CN" altLang="en-US" dirty="0"/>
-              <a:t>获取是否越狱设备</a:t>
-            </a:r>
+              <a:rPr kumimoji="1" lang="zh-CN" altLang="en-US" smtClean="0"/>
+              <a:t>定位信息</a:t>
+            </a:r>
+            <a:endParaRPr kumimoji="1" lang="en-US" altLang="zh-CN" smtClean="0"/>
           </a:p>
           <a:p>
             <a:pPr>
               <a:lnSpc>
-                <a:spcPct val="140000"/>
+                <a:spcPct val="150000"/>
               </a:lnSpc>
             </a:pPr>
             <a:r>
-              <a:rPr lang="zh-CN" altLang="en-US" dirty="0"/>
-              <a:t>设备的</a:t>
-            </a:r>
-            <a:r>
-              <a:rPr lang="en-US" altLang="zh-CN" dirty="0"/>
-              <a:t>Mac</a:t>
-            </a:r>
-            <a:r>
-              <a:rPr lang="zh-CN" altLang="en-US" dirty="0"/>
-              <a:t>地址</a:t>
-            </a:r>
-            <a:r>
-              <a:rPr lang="en-US" altLang="zh-CN" dirty="0"/>
-              <a:t>(iOS10.3</a:t>
-            </a:r>
-            <a:r>
-              <a:rPr lang="zh-CN" altLang="en-US" dirty="0"/>
-              <a:t>以下根据</a:t>
-            </a:r>
-            <a:r>
-              <a:rPr lang="en-US" altLang="zh-CN" dirty="0" err="1"/>
-              <a:t>arp</a:t>
-            </a:r>
-            <a:r>
-              <a:rPr lang="zh-CN" altLang="en-US" dirty="0"/>
-              <a:t>表获取本机的</a:t>
-            </a:r>
-            <a:r>
-              <a:rPr lang="en-US" altLang="zh-CN" dirty="0"/>
-              <a:t>mac</a:t>
-            </a:r>
-            <a:r>
-              <a:rPr lang="zh-CN" altLang="en-US" dirty="0"/>
-              <a:t>地址</a:t>
-            </a:r>
-            <a:r>
-              <a:rPr lang="en-US" altLang="zh-CN" dirty="0"/>
-              <a:t>)</a:t>
-            </a:r>
-            <a:r>
-              <a:rPr lang="zh-CN" altLang="en-US" dirty="0"/>
-              <a:t>、</a:t>
-            </a:r>
-            <a:r>
-              <a:rPr lang="en-US" altLang="zh-CN" dirty="0" err="1"/>
-              <a:t>wifi</a:t>
-            </a:r>
-            <a:r>
-              <a:rPr lang="zh-CN" altLang="en-US" dirty="0"/>
-              <a:t>的</a:t>
-            </a:r>
-            <a:r>
-              <a:rPr lang="en-US" altLang="zh-CN" dirty="0"/>
-              <a:t>mac</a:t>
-            </a:r>
-            <a:r>
-              <a:rPr lang="zh-CN" altLang="en-US" dirty="0"/>
-              <a:t>地址</a:t>
-            </a:r>
+              <a:rPr kumimoji="1" lang="en-US" altLang="zh-CN" err="1" smtClean="0"/>
+              <a:t>WIfiMAC</a:t>
+            </a:r>
+            <a:r>
+              <a:rPr kumimoji="1" lang="zh-CN" altLang="en-US" smtClean="0"/>
+              <a:t>（路由器信息）</a:t>
+            </a:r>
+            <a:endParaRPr kumimoji="1" lang="en-US" altLang="zh-CN" smtClean="0"/>
           </a:p>
           <a:p>
             <a:pPr>
               <a:lnSpc>
-                <a:spcPct val="140000"/>
+                <a:spcPct val="150000"/>
               </a:lnSpc>
             </a:pPr>
             <a:r>
-              <a:rPr lang="en-US" altLang="zh-CN" dirty="0"/>
-              <a:t>device check(iOS11</a:t>
-            </a:r>
-            <a:r>
-              <a:rPr lang="zh-CN" altLang="en-US" dirty="0"/>
-              <a:t>及以上的设备</a:t>
-            </a:r>
-            <a:r>
-              <a:rPr lang="en-US" altLang="zh-CN" dirty="0"/>
-              <a:t>)</a:t>
-            </a:r>
-          </a:p>
-          <a:p>
-            <a:endParaRPr kumimoji="1" lang="zh-CN" altLang="en-US" dirty="0"/>
+              <a:rPr kumimoji="1" lang="en-US" altLang="zh-CN" err="1" smtClean="0"/>
+              <a:t>Xposed</a:t>
+            </a:r>
+            <a:r>
+              <a:rPr kumimoji="1" lang="zh-CN" altLang="en-US" smtClean="0"/>
+              <a:t>及</a:t>
+            </a:r>
+            <a:r>
+              <a:rPr lang="en-US" altLang="zh-CN" smtClean="0"/>
+              <a:t>Substrate</a:t>
+            </a:r>
+            <a:r>
+              <a:rPr lang="zh-CN" altLang="en-US" smtClean="0"/>
+              <a:t>检测（危险设备</a:t>
+            </a:r>
+            <a:r>
+              <a:rPr lang="zh-CN" altLang="en-US" smtClean="0"/>
+              <a:t>）、是否</a:t>
+            </a:r>
+            <a:r>
+              <a:rPr lang="en-US" altLang="zh-CN" smtClean="0"/>
+              <a:t>root</a:t>
+            </a:r>
+            <a:endParaRPr lang="en-US" altLang="zh-CN" smtClean="0"/>
+          </a:p>
+          <a:p>
+            <a:pPr>
+              <a:lnSpc>
+                <a:spcPct val="150000"/>
+              </a:lnSpc>
+            </a:pPr>
+            <a:r>
+              <a:rPr kumimoji="1" lang="zh-CN" altLang="en-US" smtClean="0"/>
+              <a:t>是否安装微信、微博、支付宝、</a:t>
+            </a:r>
+            <a:r>
+              <a:rPr kumimoji="1" lang="en-US" altLang="zh-CN" smtClean="0"/>
+              <a:t>QQ</a:t>
+            </a:r>
+            <a:r>
+              <a:rPr kumimoji="1" lang="zh-CN" altLang="en-US" smtClean="0"/>
+              <a:t>等软件</a:t>
+            </a:r>
+            <a:endParaRPr kumimoji="1" lang="en-US" altLang="zh-CN" smtClean="0"/>
+          </a:p>
+          <a:p>
+            <a:pPr>
+              <a:lnSpc>
+                <a:spcPct val="150000"/>
+              </a:lnSpc>
+            </a:pPr>
+            <a:endParaRPr kumimoji="1" lang="en-US" altLang="zh-CN" smtClean="0"/>
+          </a:p>
+          <a:p>
+            <a:pPr>
+              <a:lnSpc>
+                <a:spcPct val="150000"/>
+              </a:lnSpc>
+            </a:pPr>
+            <a:endParaRPr kumimoji="1" lang="en-US" altLang="zh-CN" smtClean="0"/>
           </a:p>
         </p:txBody>
       </p:sp>
     </p:spTree>
     <p:extLst>
       <p:ext uri="{BB962C8B-B14F-4D97-AF65-F5344CB8AC3E}">
-        <p14:creationId xmlns:p14="http://schemas.microsoft.com/office/powerpoint/2010/main" val="216383239"/>
+        <p14:creationId xmlns:p14="http://schemas.microsoft.com/office/powerpoint/2010/main" val="1443059333"/>
       </p:ext>
     </p:extLst>
   </p:cSld>
   <p:clrMapOvr>
     <a:masterClrMapping/>
   </p:clrMapOvr>
+  <p:timing>
+    <p:tnLst>
+      <p:par>
+        <p:cTn id="1" dur="indefinite" restart="never" nodeType="tmRoot"/>
+      </p:par>
+    </p:tnLst>
+  </p:timing>
 </p:sld>
 </file>
 
@@ -16653,10 +16837,17 @@
           <a:lstStyle/>
           <a:p>
             <a:r>
-              <a:rPr kumimoji="1" lang="zh-CN" altLang="en-US" dirty="0" smtClean="0"/>
-              <a:t>匹配及风控机制</a:t>
-            </a:r>
-            <a:endParaRPr kumimoji="1" lang="zh-CN" altLang="en-US" dirty="0"/>
+              <a:rPr lang="en-US" altLang="zh-CN"/>
+              <a:t>iOS</a:t>
+            </a:r>
+            <a:r>
+              <a:rPr lang="zh-CN" altLang="en-US" smtClean="0"/>
+              <a:t>设备</a:t>
+            </a:r>
+            <a:r>
+              <a:rPr kumimoji="1" lang="zh-CN" altLang="en-US"/>
+              <a:t>指纹信息统计</a:t>
+            </a:r>
           </a:p>
         </p:txBody>
       </p:sp>
@@ -16670,109 +16861,132 @@
             <p:ph idx="1"/>
           </p:nvPr>
         </p:nvSpPr>
-        <p:spPr>
-          <a:xfrm>
-            <a:off x="838200" y="2656113"/>
-            <a:ext cx="10515600" cy="3888121"/>
-          </a:xfrm>
-        </p:spPr>
+        <p:spPr/>
         <p:txBody>
           <a:bodyPr/>
           <a:lstStyle/>
           <a:p>
             <a:pPr>
               <a:lnSpc>
-                <a:spcPct val="140000"/>
+                <a:spcPct val="190000"/>
               </a:lnSpc>
             </a:pPr>
             <a:r>
-              <a:rPr kumimoji="1" lang="en-US" altLang="zh-CN" dirty="0" smtClean="0"/>
-              <a:t>Android</a:t>
-            </a:r>
-            <a:r>
-              <a:rPr kumimoji="1" lang="zh-CN" altLang="en-US" dirty="0" smtClean="0"/>
-              <a:t>的维度比较多，有四个特征信息，采用积分制</a:t>
-            </a:r>
-            <a:endParaRPr kumimoji="1" lang="en-US" altLang="zh-CN" dirty="0" smtClean="0"/>
+              <a:rPr lang="zh-CN" altLang="en-US"/>
+              <a:t>获取检测是否模拟器</a:t>
+            </a:r>
           </a:p>
           <a:p>
             <a:pPr>
               <a:lnSpc>
-                <a:spcPct val="140000"/>
+                <a:spcPct val="190000"/>
               </a:lnSpc>
             </a:pPr>
             <a:r>
-              <a:rPr kumimoji="1" lang="en-US" altLang="zh-CN" dirty="0" err="1"/>
-              <a:t>i</a:t>
-            </a:r>
-            <a:r>
-              <a:rPr kumimoji="1" lang="en-US" altLang="zh-CN" dirty="0" err="1" smtClean="0"/>
-              <a:t>os</a:t>
-            </a:r>
-            <a:r>
-              <a:rPr kumimoji="1" lang="zh-CN" altLang="en-US" dirty="0" smtClean="0"/>
-              <a:t>采用</a:t>
-            </a:r>
-            <a:r>
-              <a:rPr kumimoji="1" lang="en-US" altLang="zh-CN" dirty="0" smtClean="0"/>
-              <a:t>MAC</a:t>
-            </a:r>
-            <a:r>
-              <a:rPr kumimoji="1" lang="zh-CN" altLang="en-US" dirty="0" smtClean="0"/>
-              <a:t>地址</a:t>
-            </a:r>
-            <a:r>
-              <a:rPr kumimoji="1" lang="en-US" altLang="zh-CN" dirty="0" smtClean="0"/>
-              <a:t>+</a:t>
-            </a:r>
-            <a:r>
-              <a:rPr kumimoji="1" lang="en-US" altLang="zh-CN" dirty="0" err="1" smtClean="0"/>
-              <a:t>idfa</a:t>
-            </a:r>
-            <a:r>
-              <a:rPr kumimoji="1" lang="zh-CN" altLang="en-US" dirty="0" smtClean="0"/>
-              <a:t>作为参考</a:t>
-            </a:r>
-            <a:endParaRPr kumimoji="1" lang="en-US" altLang="zh-CN" dirty="0" smtClean="0"/>
+              <a:rPr lang="zh-CN" altLang="en-US"/>
+              <a:t>获取是否越狱设备</a:t>
+            </a:r>
           </a:p>
           <a:p>
             <a:pPr>
               <a:lnSpc>
-                <a:spcPct val="140000"/>
+                <a:spcPct val="190000"/>
               </a:lnSpc>
             </a:pPr>
             <a:r>
-              <a:rPr kumimoji="1" lang="zh-CN" altLang="en-US" dirty="0" smtClean="0"/>
-              <a:t>模拟器不可优惠券下单</a:t>
-            </a:r>
-            <a:endParaRPr kumimoji="1" lang="en-US" altLang="zh-CN" dirty="0" smtClean="0"/>
+              <a:rPr lang="zh-CN" altLang="en-US"/>
+              <a:t>设备的</a:t>
+            </a:r>
+            <a:r>
+              <a:rPr lang="en-US" altLang="zh-CN"/>
+              <a:t>Mac</a:t>
+            </a:r>
+            <a:r>
+              <a:rPr lang="zh-CN" altLang="en-US"/>
+              <a:t>地址</a:t>
+            </a:r>
+            <a:r>
+              <a:rPr lang="en-US" altLang="zh-CN"/>
+              <a:t>(iOS10.3</a:t>
+            </a:r>
+            <a:r>
+              <a:rPr lang="zh-CN" altLang="en-US"/>
+              <a:t>以下根据</a:t>
+            </a:r>
+            <a:r>
+              <a:rPr lang="en-US" altLang="zh-CN" err="1"/>
+              <a:t>arp</a:t>
+            </a:r>
+            <a:r>
+              <a:rPr lang="zh-CN" altLang="en-US"/>
+              <a:t>表获取本机的</a:t>
+            </a:r>
+            <a:r>
+              <a:rPr lang="en-US" altLang="zh-CN"/>
+              <a:t>mac</a:t>
+            </a:r>
+            <a:r>
+              <a:rPr lang="zh-CN" altLang="en-US"/>
+              <a:t>地址</a:t>
+            </a:r>
+            <a:r>
+              <a:rPr lang="en-US" altLang="zh-CN"/>
+              <a:t>)</a:t>
+            </a:r>
+            <a:r>
+              <a:rPr lang="zh-CN" altLang="en-US"/>
+              <a:t>、</a:t>
+            </a:r>
+            <a:r>
+              <a:rPr lang="en-US" altLang="zh-CN" err="1"/>
+              <a:t>wifi</a:t>
+            </a:r>
+            <a:r>
+              <a:rPr lang="zh-CN" altLang="en-US"/>
+              <a:t>的</a:t>
+            </a:r>
+            <a:r>
+              <a:rPr lang="en-US" altLang="zh-CN"/>
+              <a:t>mac</a:t>
+            </a:r>
+            <a:r>
+              <a:rPr lang="zh-CN" altLang="en-US"/>
+              <a:t>地址</a:t>
+            </a:r>
           </a:p>
           <a:p>
             <a:pPr>
               <a:lnSpc>
-                <a:spcPct val="140000"/>
+                <a:spcPct val="190000"/>
               </a:lnSpc>
             </a:pPr>
             <a:r>
-              <a:rPr kumimoji="1" lang="zh-CN" altLang="en-US" dirty="0" smtClean="0"/>
-              <a:t>区域内去重（如</a:t>
-            </a:r>
-            <a:r>
-              <a:rPr kumimoji="1" lang="en-US" altLang="zh-CN" dirty="0" err="1" smtClean="0"/>
-              <a:t>WiFiMAC</a:t>
-            </a:r>
-            <a:r>
-              <a:rPr kumimoji="1" lang="zh-CN" altLang="en-US" dirty="0" smtClean="0"/>
-              <a:t>，将来还能用定位等信息）</a:t>
-            </a:r>
-            <a:endParaRPr kumimoji="1" lang="en-US" altLang="zh-CN" dirty="0" smtClean="0"/>
+              <a:rPr lang="en-US" altLang="zh-CN"/>
+              <a:t>device check(iOS11</a:t>
+            </a:r>
+            <a:r>
+              <a:rPr lang="zh-CN" altLang="en-US"/>
+              <a:t>及以上的设备</a:t>
+            </a:r>
+            <a:r>
+              <a:rPr lang="en-US" altLang="zh-CN"/>
+              <a:t>)</a:t>
+            </a:r>
+          </a:p>
+          <a:p>
+            <a:pPr>
+              <a:lnSpc>
+                <a:spcPct val="190000"/>
+              </a:lnSpc>
+            </a:pPr>
+            <a:endParaRPr kumimoji="1" lang="zh-CN" altLang="en-US"/>
           </a:p>
         </p:txBody>
       </p:sp>
     </p:spTree>
     <p:extLst>
       <p:ext uri="{BB962C8B-B14F-4D97-AF65-F5344CB8AC3E}">
-        <p14:creationId xmlns:p14="http://schemas.microsoft.com/office/powerpoint/2010/main" val="894526557"/>
+        <p14:creationId xmlns:p14="http://schemas.microsoft.com/office/powerpoint/2010/main" val="216383239"/>
       </p:ext>
     </p:extLst>
   </p:cSld>

--- a/_posts/Android/严选可信ID项目.pptx
+++ b/_posts/Android/严选可信ID项目.pptx
@@ -15201,11 +15201,7 @@
             </a:pPr>
             <a:r>
               <a:rPr kumimoji="1" lang="en-US" altLang="zh-CN" err="1" smtClean="0"/>
-              <a:t>i</a:t>
-            </a:r>
-            <a:r>
-              <a:rPr kumimoji="1" lang="en-US" altLang="zh-CN" err="1" smtClean="0"/>
-              <a:t>os</a:t>
+              <a:t>ios</a:t>
             </a:r>
             <a:r>
               <a:rPr kumimoji="1" lang="zh-CN" altLang="en-US" smtClean="0"/>
@@ -15441,14 +15437,14 @@
               </a:lnSpc>
             </a:pPr>
             <a:r>
-              <a:rPr kumimoji="1" lang="zh-CN" altLang="en-US" smtClean="0"/>
+              <a:rPr kumimoji="1" lang="zh-CN" altLang="en-US" dirty="0" smtClean="0"/>
               <a:t>后台模型</a:t>
             </a:r>
             <a:r>
-              <a:rPr kumimoji="1" lang="zh-CN" altLang="en-US"/>
+              <a:rPr kumimoji="1" lang="zh-CN" altLang="en-US" dirty="0"/>
               <a:t>需要根据平台监控不断完善修正</a:t>
             </a:r>
-            <a:endParaRPr kumimoji="1" lang="en-US" altLang="zh-CN"/>
+            <a:endParaRPr kumimoji="1" lang="en-US" altLang="zh-CN" dirty="0"/>
           </a:p>
           <a:p>
             <a:pPr>
@@ -15457,10 +15453,10 @@
               </a:lnSpc>
             </a:pPr>
             <a:r>
-              <a:rPr kumimoji="1" lang="zh-CN" altLang="en-US"/>
+              <a:rPr kumimoji="1" lang="zh-CN" altLang="en-US" dirty="0"/>
               <a:t>探索新的匹配模型</a:t>
             </a:r>
-            <a:endParaRPr kumimoji="1" lang="en-US" altLang="zh-CN"/>
+            <a:endParaRPr kumimoji="1" lang="en-US" altLang="zh-CN" dirty="0"/>
           </a:p>
           <a:p>
             <a:pPr>
@@ -15469,10 +15465,10 @@
               </a:lnSpc>
             </a:pPr>
             <a:r>
-              <a:rPr kumimoji="1" lang="zh-CN" altLang="en-US" smtClean="0"/>
+              <a:rPr kumimoji="1" lang="zh-CN" altLang="en-US" dirty="0" smtClean="0"/>
               <a:t>硬件信息搜集手段需要不断更新（新隐私策略下越来越难收集）</a:t>
             </a:r>
-            <a:endParaRPr kumimoji="1" lang="zh-CN" altLang="en-US"/>
+            <a:endParaRPr kumimoji="1" lang="zh-CN" altLang="en-US" dirty="0"/>
           </a:p>
         </p:txBody>
       </p:sp>
@@ -15766,15 +15762,7 @@
             </a:pPr>
             <a:r>
               <a:rPr kumimoji="1" lang="zh-CN" altLang="en-US" sz="1800" smtClean="0"/>
-              <a:t>初期问题：新设备</a:t>
-            </a:r>
-            <a:r>
-              <a:rPr kumimoji="1" lang="zh-CN" altLang="en-US" sz="1800" smtClean="0"/>
-              <a:t>鉴别、统计</a:t>
-            </a:r>
-            <a:r>
-              <a:rPr kumimoji="1" lang="zh-CN" altLang="en-US" sz="1800" smtClean="0"/>
-              <a:t>不准</a:t>
+              <a:t>初期问题：新设备鉴别、统计不准</a:t>
             </a:r>
             <a:endParaRPr kumimoji="1" lang="en-US" altLang="zh-CN" sz="1800" dirty="0" smtClean="0"/>
           </a:p>
@@ -15810,11 +15798,7 @@
             </a:pPr>
             <a:r>
               <a:rPr kumimoji="1" lang="zh-CN" altLang="en-US" sz="1800" smtClean="0"/>
-              <a:t>如果用第三方方案，无法确保数据及业务安全性</a:t>
-            </a:r>
-            <a:r>
-              <a:rPr kumimoji="1" lang="zh-CN" altLang="en-US" sz="1800" smtClean="0"/>
-              <a:t>，同时开支不菲（数盟、同盾）</a:t>
+              <a:t>如果用第三方方案，无法确保数据及业务安全性，同时开支不菲（数盟、同盾）</a:t>
             </a:r>
             <a:endParaRPr kumimoji="1" lang="en-US" altLang="zh-CN" sz="1800" dirty="0" smtClean="0"/>
           </a:p>
@@ -16033,21 +16017,8 @@
                   <a:schemeClr val="bg2"/>
                 </a:solidFill>
               </a:rPr>
-              <a:t>目</a:t>
-            </a:r>
-            <a:r>
-              <a:rPr kumimoji="1" lang="zh-CN" altLang="en-US" sz="3600">
-                <a:solidFill>
-                  <a:schemeClr val="bg2"/>
-                </a:solidFill>
-              </a:rPr>
-              <a:t>标</a:t>
-            </a:r>
-            <a:endParaRPr kumimoji="1" lang="zh-CN" altLang="en-US" sz="3600">
-              <a:solidFill>
-                <a:schemeClr val="bg2"/>
-              </a:solidFill>
-            </a:endParaRPr>
+              <a:t>目标</a:t>
+            </a:r>
           </a:p>
         </p:txBody>
       </p:sp>
@@ -16182,11 +16153,7 @@
             </a:r>
             <a:r>
               <a:rPr kumimoji="1" lang="zh-CN" altLang="en-US" dirty="0" smtClean="0"/>
-              <a:t>模拟器</a:t>
-            </a:r>
-            <a:r>
-              <a:rPr kumimoji="1" lang="zh-CN" altLang="en-US" dirty="0" smtClean="0"/>
-              <a:t>检测（种类多）</a:t>
+              <a:t>模拟器检测（种类多）</a:t>
             </a:r>
             <a:endParaRPr kumimoji="1" lang="en-US" altLang="zh-CN" dirty="0" smtClean="0"/>
           </a:p>
@@ -16274,11 +16241,7 @@
             </a:r>
             <a:r>
               <a:rPr kumimoji="1" lang="zh-CN" altLang="en-US" smtClean="0"/>
-              <a:t>设备</a:t>
-            </a:r>
-            <a:r>
-              <a:rPr kumimoji="1" lang="zh-CN" altLang="en-US" smtClean="0"/>
-              <a:t>指纹信息统计</a:t>
+              <a:t>设备指纹信息统计</a:t>
             </a:r>
             <a:endParaRPr kumimoji="1" lang="zh-CN" altLang="en-US"/>
           </a:p>
@@ -16471,22 +16434,22 @@
               </a:lnSpc>
             </a:pPr>
             <a:r>
-              <a:rPr kumimoji="1" lang="en-US" altLang="zh-CN" smtClean="0"/>
+              <a:rPr kumimoji="1" lang="en-US" altLang="zh-CN" dirty="0" smtClean="0"/>
               <a:t>IMEI</a:t>
             </a:r>
             <a:r>
-              <a:rPr kumimoji="1" lang="zh-CN" altLang="en-US" smtClean="0"/>
+              <a:rPr kumimoji="1" lang="zh-CN" altLang="en-US" dirty="0" smtClean="0"/>
               <a:t>、</a:t>
             </a:r>
             <a:r>
-              <a:rPr kumimoji="1" lang="en-US" altLang="zh-CN" smtClean="0"/>
+              <a:rPr kumimoji="1" lang="en-US" altLang="zh-CN" dirty="0" smtClean="0"/>
               <a:t>QEMU</a:t>
             </a:r>
             <a:r>
-              <a:rPr kumimoji="1" lang="zh-CN" altLang="en-US" smtClean="0"/>
+              <a:rPr kumimoji="1" lang="zh-CN" altLang="en-US" dirty="0" smtClean="0"/>
               <a:t>等一些特征信息（不太准，除非源码中的，基本已弃用）</a:t>
             </a:r>
-            <a:endParaRPr kumimoji="1" lang="en-US" altLang="zh-CN" smtClean="0"/>
+            <a:endParaRPr kumimoji="1" lang="en-US" altLang="zh-CN" dirty="0" smtClean="0"/>
           </a:p>
           <a:p>
             <a:pPr>
@@ -16495,34 +16458,34 @@
               </a:lnSpc>
             </a:pPr>
             <a:r>
-              <a:rPr kumimoji="1" lang="zh-CN" altLang="en-US" smtClean="0"/>
+              <a:rPr kumimoji="1" lang="zh-CN" altLang="en-US" dirty="0" smtClean="0"/>
               <a:t>获取</a:t>
             </a:r>
             <a:r>
-              <a:rPr kumimoji="1" lang="en-US" altLang="zh-CN" smtClean="0"/>
+              <a:rPr kumimoji="1" lang="en-US" altLang="zh-CN" dirty="0" smtClean="0"/>
               <a:t>CPU</a:t>
             </a:r>
             <a:r>
-              <a:rPr kumimoji="1" lang="zh-CN" altLang="en-US" smtClean="0"/>
+              <a:rPr kumimoji="1" lang="zh-CN" altLang="en-US" dirty="0" smtClean="0"/>
               <a:t> </a:t>
             </a:r>
             <a:r>
-              <a:rPr kumimoji="1" lang="en-US" altLang="zh-CN" smtClean="0"/>
+              <a:rPr kumimoji="1" lang="en-US" altLang="zh-CN" dirty="0" smtClean="0"/>
               <a:t>INFO</a:t>
             </a:r>
             <a:r>
-              <a:rPr kumimoji="1" lang="zh-CN" altLang="en-US" smtClean="0"/>
+              <a:rPr kumimoji="1" lang="zh-CN" altLang="en-US" dirty="0" smtClean="0"/>
               <a:t> （放弃</a:t>
             </a:r>
             <a:r>
-              <a:rPr kumimoji="1" lang="en-US" altLang="zh-CN" smtClean="0"/>
+              <a:rPr kumimoji="1" lang="en-US" altLang="zh-CN" dirty="0" smtClean="0"/>
               <a:t>x86</a:t>
             </a:r>
             <a:r>
-              <a:rPr kumimoji="1" lang="zh-CN" altLang="en-US" smtClean="0"/>
+              <a:rPr kumimoji="1" lang="zh-CN" altLang="en-US" dirty="0" smtClean="0"/>
               <a:t>版本）</a:t>
             </a:r>
-            <a:endParaRPr kumimoji="1" lang="en-US" altLang="zh-CN" smtClean="0"/>
+            <a:endParaRPr kumimoji="1" lang="en-US" altLang="zh-CN" dirty="0" smtClean="0"/>
           </a:p>
           <a:p>
             <a:pPr>
@@ -16531,54 +16494,54 @@
               </a:lnSpc>
             </a:pPr>
             <a:r>
-              <a:rPr kumimoji="1" lang="en-US" altLang="zh-CN" smtClean="0"/>
+              <a:rPr kumimoji="1" lang="en-US" altLang="zh-CN" dirty="0" smtClean="0"/>
               <a:t>ARM</a:t>
             </a:r>
             <a:r>
-              <a:rPr kumimoji="1" lang="zh-CN" altLang="en-US" smtClean="0"/>
+              <a:rPr kumimoji="1" lang="zh-CN" altLang="en-US" dirty="0" smtClean="0"/>
               <a:t>架构跟模拟器的</a:t>
             </a:r>
             <a:r>
-              <a:rPr kumimoji="1" lang="en-US" altLang="zh-CN" smtClean="0"/>
+              <a:rPr kumimoji="1" lang="en-US" altLang="zh-CN" dirty="0" smtClean="0"/>
               <a:t>Simple</a:t>
             </a:r>
             <a:r>
-              <a:rPr kumimoji="1" lang="zh-CN" altLang="en-US" smtClean="0"/>
+              <a:rPr kumimoji="1" lang="zh-CN" altLang="en-US" dirty="0" smtClean="0"/>
               <a:t> </a:t>
             </a:r>
             <a:r>
-              <a:rPr kumimoji="1" lang="en-US" altLang="zh-CN" smtClean="0"/>
+              <a:rPr kumimoji="1" lang="en-US" altLang="zh-CN" dirty="0" smtClean="0"/>
               <a:t>X86</a:t>
             </a:r>
             <a:r>
-              <a:rPr kumimoji="1" lang="zh-CN" altLang="en-US" smtClean="0"/>
+              <a:rPr kumimoji="1" lang="zh-CN" altLang="en-US" dirty="0" smtClean="0"/>
               <a:t>架构的区别（内存检测方案 </a:t>
             </a:r>
             <a:r>
-              <a:rPr kumimoji="1" lang="en-US" altLang="zh-CN" smtClean="0"/>
+              <a:rPr kumimoji="1" lang="en-US" altLang="zh-CN" dirty="0" smtClean="0"/>
               <a:t>SMC-Self</a:t>
             </a:r>
             <a:r>
-              <a:rPr kumimoji="1" lang="zh-CN" altLang="en-US" smtClean="0"/>
+              <a:rPr kumimoji="1" lang="zh-CN" altLang="en-US" dirty="0" smtClean="0"/>
               <a:t> </a:t>
             </a:r>
             <a:r>
-              <a:rPr kumimoji="1" lang="en-US" altLang="zh-CN" smtClean="0"/>
+              <a:rPr kumimoji="1" lang="en-US" altLang="zh-CN" dirty="0" smtClean="0"/>
               <a:t>modifying</a:t>
             </a:r>
             <a:r>
-              <a:rPr kumimoji="1" lang="zh-CN" altLang="en-US" smtClean="0"/>
+              <a:rPr kumimoji="1" lang="zh-CN" altLang="en-US" dirty="0" smtClean="0"/>
               <a:t> </a:t>
             </a:r>
             <a:r>
-              <a:rPr kumimoji="1" lang="en-US" altLang="zh-CN" smtClean="0"/>
+              <a:rPr kumimoji="1" lang="en-US" altLang="zh-CN" dirty="0" smtClean="0"/>
               <a:t>code</a:t>
             </a:r>
             <a:r>
-              <a:rPr kumimoji="1" lang="zh-CN" altLang="en-US" smtClean="0"/>
+              <a:rPr kumimoji="1" lang="zh-CN" altLang="en-US" dirty="0" smtClean="0"/>
               <a:t>）</a:t>
             </a:r>
-            <a:endParaRPr kumimoji="1" lang="zh-CN" altLang="en-US"/>
+            <a:endParaRPr kumimoji="1" lang="zh-CN" altLang="en-US" dirty="0"/>
           </a:p>
         </p:txBody>
       </p:sp>
@@ -16640,11 +16603,7 @@
             </a:r>
             <a:r>
               <a:rPr kumimoji="1" lang="zh-CN" altLang="en-US" smtClean="0"/>
-              <a:t>其他</a:t>
-            </a:r>
-            <a:r>
-              <a:rPr kumimoji="1" lang="zh-CN" altLang="en-US" smtClean="0"/>
-              <a:t>附件风控信息</a:t>
+              <a:t>其他附件风控信息</a:t>
             </a:r>
             <a:endParaRPr kumimoji="1" lang="zh-CN" altLang="en-US"/>
           </a:p>
@@ -16734,17 +16693,12 @@
             </a:r>
             <a:r>
               <a:rPr lang="zh-CN" altLang="en-US" smtClean="0"/>
-              <a:t>检测（危险设备</a:t>
-            </a:r>
-            <a:r>
-              <a:rPr lang="zh-CN" altLang="en-US" smtClean="0"/>
-              <a:t>）、是否</a:t>
+              <a:t>检测（危险设备）、是否</a:t>
             </a:r>
             <a:r>
               <a:rPr lang="en-US" altLang="zh-CN" smtClean="0"/>
               <a:t>root</a:t>
             </a:r>
-            <a:endParaRPr lang="en-US" altLang="zh-CN" smtClean="0"/>
           </a:p>
           <a:p>
             <a:pPr>
